--- a/Presentation.pptx
+++ b/Presentation.pptx
@@ -5,7 +5,7 @@
     <p:sldMasterId id="2147483659" r:id="rId1"/>
   </p:sldMasterIdLst>
   <p:notesMasterIdLst>
-    <p:notesMasterId r:id="rId14"/>
+    <p:notesMasterId r:id="rId15"/>
   </p:notesMasterIdLst>
   <p:sldIdLst>
     <p:sldId id="256" r:id="rId2"/>
@@ -16,25 +16,26 @@
     <p:sldId id="278" r:id="rId7"/>
     <p:sldId id="269" r:id="rId8"/>
     <p:sldId id="279" r:id="rId9"/>
-    <p:sldId id="272" r:id="rId10"/>
-    <p:sldId id="267" r:id="rId11"/>
-    <p:sldId id="280" r:id="rId12"/>
-    <p:sldId id="274" r:id="rId13"/>
+    <p:sldId id="281" r:id="rId10"/>
+    <p:sldId id="272" r:id="rId11"/>
+    <p:sldId id="267" r:id="rId12"/>
+    <p:sldId id="280" r:id="rId13"/>
+    <p:sldId id="274" r:id="rId14"/>
   </p:sldIdLst>
   <p:sldSz cx="12192000" cy="6858000"/>
   <p:notesSz cx="6858000" cy="9144000"/>
   <p:embeddedFontLst>
     <p:embeddedFont>
       <p:font typeface="Berlin Sans FB" panose="020E0602020502020306" pitchFamily="34" charset="0"/>
-      <p:regular r:id="rId15"/>
-      <p:bold r:id="rId16"/>
+      <p:regular r:id="rId16"/>
+      <p:bold r:id="rId17"/>
     </p:embeddedFont>
     <p:embeddedFont>
       <p:font typeface="Calibri" panose="020F0502020204030204" pitchFamily="34" charset="0"/>
-      <p:regular r:id="rId17"/>
-      <p:bold r:id="rId18"/>
-      <p:italic r:id="rId19"/>
-      <p:boldItalic r:id="rId20"/>
+      <p:regular r:id="rId18"/>
+      <p:bold r:id="rId19"/>
+      <p:italic r:id="rId20"/>
+      <p:boldItalic r:id="rId21"/>
     </p:embeddedFont>
   </p:embeddedFontLst>
   <p:defaultTextStyle>
@@ -826,6 +827,114 @@
   <p:cSld>
     <p:spTree>
       <p:nvGrpSpPr>
+        <p:cNvPr id="1" name="Shape 489"/>
+        <p:cNvGrpSpPr/>
+        <p:nvPr/>
+      </p:nvGrpSpPr>
+      <p:grpSpPr>
+        <a:xfrm>
+          <a:off x="0" y="0"/>
+          <a:ext cx="0" cy="0"/>
+          <a:chOff x="0" y="0"/>
+          <a:chExt cx="0" cy="0"/>
+        </a:xfrm>
+      </p:grpSpPr>
+      <p:sp>
+        <p:nvSpPr>
+          <p:cNvPr id="490" name="Google Shape;490;p20:notes"/>
+          <p:cNvSpPr txBox="1">
+            <a:spLocks noGrp="1"/>
+          </p:cNvSpPr>
+          <p:nvPr>
+            <p:ph type="body" idx="1"/>
+          </p:nvPr>
+        </p:nvSpPr>
+        <p:spPr>
+          <a:xfrm>
+            <a:off x="685800" y="4343400"/>
+            <a:ext cx="5486400" cy="4114800"/>
+          </a:xfrm>
+          <a:prstGeom prst="rect">
+            <a:avLst/>
+          </a:prstGeom>
+          <a:noFill/>
+          <a:ln>
+            <a:noFill/>
+          </a:ln>
+        </p:spPr>
+        <p:txBody>
+          <a:bodyPr spcFirstLastPara="1" wrap="square" lIns="91425" tIns="91425" rIns="91425" bIns="91425" anchor="ctr" anchorCtr="0">
+            <a:noAutofit/>
+          </a:bodyPr>
+          <a:lstStyle/>
+          <a:p>
+            <a:pPr marL="0" lvl="0" indent="0">
+              <a:spcBef>
+                <a:spcPts val="0"/>
+              </a:spcBef>
+              <a:spcAft>
+                <a:spcPts val="0"/>
+              </a:spcAft>
+              <a:buNone/>
+            </a:pPr>
+            <a:endParaRPr/>
+          </a:p>
+        </p:txBody>
+      </p:sp>
+      <p:sp>
+        <p:nvSpPr>
+          <p:cNvPr id="491" name="Google Shape;491;p20:notes"/>
+          <p:cNvSpPr>
+            <a:spLocks noGrp="1" noRot="1" noChangeAspect="1"/>
+          </p:cNvSpPr>
+          <p:nvPr>
+            <p:ph type="sldImg" idx="2"/>
+          </p:nvPr>
+        </p:nvSpPr>
+        <p:spPr>
+          <a:xfrm>
+            <a:off x="381000" y="685800"/>
+            <a:ext cx="6096000" cy="3429000"/>
+          </a:xfrm>
+          <a:custGeom>
+            <a:avLst/>
+            <a:gdLst/>
+            <a:ahLst/>
+            <a:cxnLst/>
+            <a:rect l="0" t="0" r="0" b="0"/>
+            <a:pathLst>
+              <a:path w="120000" h="120000" extrusionOk="0">
+                <a:moveTo>
+                  <a:pt x="0" y="0"/>
+                </a:moveTo>
+                <a:lnTo>
+                  <a:pt x="120000" y="0"/>
+                </a:lnTo>
+                <a:lnTo>
+                  <a:pt x="120000" y="120000"/>
+                </a:lnTo>
+                <a:lnTo>
+                  <a:pt x="0" y="120000"/>
+                </a:lnTo>
+                <a:close/>
+              </a:path>
+            </a:pathLst>
+          </a:custGeom>
+        </p:spPr>
+      </p:sp>
+    </p:spTree>
+  </p:cSld>
+  <p:clrMapOvr>
+    <a:masterClrMapping/>
+  </p:clrMapOvr>
+</p:notes>
+</file>
+
+<file path=ppt/notesSlides/notesSlide11.xml><?xml version="1.0" encoding="utf-8"?>
+<p:notes xmlns:a="http://schemas.openxmlformats.org/drawingml/2006/main" xmlns:r="http://schemas.openxmlformats.org/officeDocument/2006/relationships" xmlns:p="http://schemas.openxmlformats.org/presentationml/2006/main" showMasterSp="0" showMasterPhAnim="0">
+  <p:cSld>
+    <p:spTree>
+      <p:nvGrpSpPr>
         <p:cNvPr id="1" name="Shape 352"/>
         <p:cNvGrpSpPr/>
         <p:nvPr/>
@@ -929,7 +1038,7 @@
 </p:notes>
 </file>
 
-<file path=ppt/notesSlides/notesSlide11.xml><?xml version="1.0" encoding="utf-8"?>
+<file path=ppt/notesSlides/notesSlide12.xml><?xml version="1.0" encoding="utf-8"?>
 <p:notes xmlns:a="http://schemas.openxmlformats.org/drawingml/2006/main" xmlns:r="http://schemas.openxmlformats.org/officeDocument/2006/relationships" xmlns:p="http://schemas.openxmlformats.org/presentationml/2006/main" showMasterSp="0" showMasterPhAnim="0">
   <p:cSld>
     <p:spTree>
@@ -1042,7 +1151,7 @@
 </p:notes>
 </file>
 
-<file path=ppt/notesSlides/notesSlide12.xml><?xml version="1.0" encoding="utf-8"?>
+<file path=ppt/notesSlides/notesSlide13.xml><?xml version="1.0" encoding="utf-8"?>
 <p:notes xmlns:a="http://schemas.openxmlformats.org/drawingml/2006/main" xmlns:r="http://schemas.openxmlformats.org/officeDocument/2006/relationships" xmlns:p="http://schemas.openxmlformats.org/presentationml/2006/main" showMasterSp="0" showMasterPhAnim="0">
   <p:cSld>
     <p:spTree>
@@ -1926,7 +2035,7 @@
   <p:cSld>
     <p:spTree>
       <p:nvGrpSpPr>
-        <p:cNvPr id="1" name="Shape 489"/>
+        <p:cNvPr id="1" name="Shape 234"/>
         <p:cNvGrpSpPr/>
         <p:nvPr/>
       </p:nvGrpSpPr>
@@ -1940,7 +2049,7 @@
       </p:grpSpPr>
       <p:sp>
         <p:nvSpPr>
-          <p:cNvPr id="490" name="Google Shape;490;p20:notes"/>
+          <p:cNvPr id="235" name="Google Shape;235;p11:notes"/>
           <p:cNvSpPr txBox="1">
             <a:spLocks noGrp="1"/>
           </p:cNvSpPr>
@@ -1982,7 +2091,7 @@
       </p:sp>
       <p:sp>
         <p:nvSpPr>
-          <p:cNvPr id="491" name="Google Shape;491;p20:notes"/>
+          <p:cNvPr id="236" name="Google Shape;236;p11:notes"/>
           <p:cNvSpPr>
             <a:spLocks noGrp="1" noRot="1" noChangeAspect="1"/>
           </p:cNvSpPr>
@@ -2022,6 +2131,11 @@
         </p:spPr>
       </p:sp>
     </p:spTree>
+    <p:extLst>
+      <p:ext uri="{BB962C8B-B14F-4D97-AF65-F5344CB8AC3E}">
+        <p14:creationId xmlns:p14="http://schemas.microsoft.com/office/powerpoint/2010/main" val="504423983"/>
+      </p:ext>
+    </p:extLst>
   </p:cSld>
   <p:clrMapOvr>
     <a:masterClrMapping/>
@@ -9560,6 +9674,1207 @@
   <p:cSld>
     <p:spTree>
       <p:nvGrpSpPr>
+        <p:cNvPr id="1" name="Shape 492"/>
+        <p:cNvGrpSpPr/>
+        <p:nvPr/>
+      </p:nvGrpSpPr>
+      <p:grpSpPr>
+        <a:xfrm>
+          <a:off x="0" y="0"/>
+          <a:ext cx="0" cy="0"/>
+          <a:chOff x="0" y="0"/>
+          <a:chExt cx="0" cy="0"/>
+        </a:xfrm>
+      </p:grpSpPr>
+      <p:pic>
+        <p:nvPicPr>
+          <p:cNvPr id="502" name="Google Shape;502;p29"/>
+          <p:cNvPicPr preferRelativeResize="0"/>
+          <p:nvPr/>
+        </p:nvPicPr>
+        <p:blipFill rotWithShape="1">
+          <a:blip r:embed="rId3">
+            <a:alphaModFix/>
+          </a:blip>
+          <a:srcRect r="58637" b="25209"/>
+          <a:stretch/>
+        </p:blipFill>
+        <p:spPr>
+          <a:xfrm>
+            <a:off x="1" y="-4571"/>
+            <a:ext cx="1073426" cy="1023379"/>
+          </a:xfrm>
+          <a:prstGeom prst="rect">
+            <a:avLst/>
+          </a:prstGeom>
+          <a:noFill/>
+          <a:ln>
+            <a:noFill/>
+          </a:ln>
+        </p:spPr>
+      </p:pic>
+      <p:grpSp>
+        <p:nvGrpSpPr>
+          <p:cNvPr id="506" name="Google Shape;506;p29"/>
+          <p:cNvGrpSpPr/>
+          <p:nvPr/>
+        </p:nvGrpSpPr>
+        <p:grpSpPr>
+          <a:xfrm>
+            <a:off x="2620101" y="150229"/>
+            <a:ext cx="736528" cy="713778"/>
+            <a:chOff x="5314950" y="3314700"/>
+            <a:chExt cx="822325" cy="796925"/>
+          </a:xfrm>
+        </p:grpSpPr>
+        <p:sp>
+          <p:nvSpPr>
+            <p:cNvPr id="507" name="Google Shape;507;p29"/>
+            <p:cNvSpPr/>
+            <p:nvPr/>
+          </p:nvSpPr>
+          <p:spPr>
+            <a:xfrm>
+              <a:off x="5314950" y="3336925"/>
+              <a:ext cx="777875" cy="768350"/>
+            </a:xfrm>
+            <a:custGeom>
+              <a:avLst/>
+              <a:gdLst/>
+              <a:ahLst/>
+              <a:cxnLst/>
+              <a:rect l="0" t="0" r="0" b="0"/>
+              <a:pathLst>
+                <a:path w="490" h="484" extrusionOk="0">
+                  <a:moveTo>
+                    <a:pt x="416" y="350"/>
+                  </a:moveTo>
+                  <a:lnTo>
+                    <a:pt x="320" y="254"/>
+                  </a:lnTo>
+                  <a:lnTo>
+                    <a:pt x="236" y="172"/>
+                  </a:lnTo>
+                  <a:lnTo>
+                    <a:pt x="164" y="102"/>
+                  </a:lnTo>
+                  <a:lnTo>
+                    <a:pt x="164" y="102"/>
+                  </a:lnTo>
+                  <a:lnTo>
+                    <a:pt x="166" y="92"/>
+                  </a:lnTo>
+                  <a:lnTo>
+                    <a:pt x="168" y="82"/>
+                  </a:lnTo>
+                  <a:lnTo>
+                    <a:pt x="166" y="70"/>
+                  </a:lnTo>
+                  <a:lnTo>
+                    <a:pt x="164" y="60"/>
+                  </a:lnTo>
+                  <a:lnTo>
+                    <a:pt x="160" y="50"/>
+                  </a:lnTo>
+                  <a:lnTo>
+                    <a:pt x="156" y="42"/>
+                  </a:lnTo>
+                  <a:lnTo>
+                    <a:pt x="150" y="32"/>
+                  </a:lnTo>
+                  <a:lnTo>
+                    <a:pt x="142" y="24"/>
+                  </a:lnTo>
+                  <a:lnTo>
+                    <a:pt x="142" y="24"/>
+                  </a:lnTo>
+                  <a:lnTo>
+                    <a:pt x="132" y="16"/>
+                  </a:lnTo>
+                  <a:lnTo>
+                    <a:pt x="122" y="10"/>
+                  </a:lnTo>
+                  <a:lnTo>
+                    <a:pt x="112" y="4"/>
+                  </a:lnTo>
+                  <a:lnTo>
+                    <a:pt x="102" y="2"/>
+                  </a:lnTo>
+                  <a:lnTo>
+                    <a:pt x="90" y="0"/>
+                  </a:lnTo>
+                  <a:lnTo>
+                    <a:pt x="78" y="0"/>
+                  </a:lnTo>
+                  <a:lnTo>
+                    <a:pt x="68" y="2"/>
+                  </a:lnTo>
+                  <a:lnTo>
+                    <a:pt x="56" y="4"/>
+                  </a:lnTo>
+                  <a:lnTo>
+                    <a:pt x="96" y="44"/>
+                  </a:lnTo>
+                  <a:lnTo>
+                    <a:pt x="96" y="44"/>
+                  </a:lnTo>
+                  <a:lnTo>
+                    <a:pt x="100" y="50"/>
+                  </a:lnTo>
+                  <a:lnTo>
+                    <a:pt x="104" y="56"/>
+                  </a:lnTo>
+                  <a:lnTo>
+                    <a:pt x="106" y="62"/>
+                  </a:lnTo>
+                  <a:lnTo>
+                    <a:pt x="106" y="70"/>
+                  </a:lnTo>
+                  <a:lnTo>
+                    <a:pt x="106" y="76"/>
+                  </a:lnTo>
+                  <a:lnTo>
+                    <a:pt x="104" y="82"/>
+                  </a:lnTo>
+                  <a:lnTo>
+                    <a:pt x="100" y="90"/>
+                  </a:lnTo>
+                  <a:lnTo>
+                    <a:pt x="96" y="96"/>
+                  </a:lnTo>
+                  <a:lnTo>
+                    <a:pt x="96" y="96"/>
+                  </a:lnTo>
+                  <a:lnTo>
+                    <a:pt x="90" y="100"/>
+                  </a:lnTo>
+                  <a:lnTo>
+                    <a:pt x="84" y="104"/>
+                  </a:lnTo>
+                  <a:lnTo>
+                    <a:pt x="76" y="106"/>
+                  </a:lnTo>
+                  <a:lnTo>
+                    <a:pt x="70" y="106"/>
+                  </a:lnTo>
+                  <a:lnTo>
+                    <a:pt x="62" y="106"/>
+                  </a:lnTo>
+                  <a:lnTo>
+                    <a:pt x="56" y="104"/>
+                  </a:lnTo>
+                  <a:lnTo>
+                    <a:pt x="50" y="102"/>
+                  </a:lnTo>
+                  <a:lnTo>
+                    <a:pt x="44" y="96"/>
+                  </a:lnTo>
+                  <a:lnTo>
+                    <a:pt x="4" y="58"/>
+                  </a:lnTo>
+                  <a:lnTo>
+                    <a:pt x="4" y="58"/>
+                  </a:lnTo>
+                  <a:lnTo>
+                    <a:pt x="2" y="68"/>
+                  </a:lnTo>
+                  <a:lnTo>
+                    <a:pt x="0" y="80"/>
+                  </a:lnTo>
+                  <a:lnTo>
+                    <a:pt x="0" y="92"/>
+                  </a:lnTo>
+                  <a:lnTo>
+                    <a:pt x="2" y="102"/>
+                  </a:lnTo>
+                  <a:lnTo>
+                    <a:pt x="6" y="114"/>
+                  </a:lnTo>
+                  <a:lnTo>
+                    <a:pt x="10" y="124"/>
+                  </a:lnTo>
+                  <a:lnTo>
+                    <a:pt x="16" y="134"/>
+                  </a:lnTo>
+                  <a:lnTo>
+                    <a:pt x="24" y="144"/>
+                  </a:lnTo>
+                  <a:lnTo>
+                    <a:pt x="24" y="144"/>
+                  </a:lnTo>
+                  <a:lnTo>
+                    <a:pt x="32" y="150"/>
+                  </a:lnTo>
+                  <a:lnTo>
+                    <a:pt x="42" y="156"/>
+                  </a:lnTo>
+                  <a:lnTo>
+                    <a:pt x="52" y="162"/>
+                  </a:lnTo>
+                  <a:lnTo>
+                    <a:pt x="62" y="164"/>
+                  </a:lnTo>
+                  <a:lnTo>
+                    <a:pt x="72" y="166"/>
+                  </a:lnTo>
+                  <a:lnTo>
+                    <a:pt x="82" y="168"/>
+                  </a:lnTo>
+                  <a:lnTo>
+                    <a:pt x="92" y="166"/>
+                  </a:lnTo>
+                  <a:lnTo>
+                    <a:pt x="102" y="164"/>
+                  </a:lnTo>
+                  <a:lnTo>
+                    <a:pt x="172" y="234"/>
+                  </a:lnTo>
+                  <a:lnTo>
+                    <a:pt x="194" y="256"/>
+                  </a:lnTo>
+                  <a:lnTo>
+                    <a:pt x="208" y="268"/>
+                  </a:lnTo>
+                  <a:lnTo>
+                    <a:pt x="208" y="268"/>
+                  </a:lnTo>
+                  <a:lnTo>
+                    <a:pt x="208" y="268"/>
+                  </a:lnTo>
+                  <a:lnTo>
+                    <a:pt x="256" y="314"/>
+                  </a:lnTo>
+                  <a:lnTo>
+                    <a:pt x="354" y="412"/>
+                  </a:lnTo>
+                  <a:lnTo>
+                    <a:pt x="354" y="412"/>
+                  </a:lnTo>
+                  <a:lnTo>
+                    <a:pt x="356" y="426"/>
+                  </a:lnTo>
+                  <a:lnTo>
+                    <a:pt x="358" y="440"/>
+                  </a:lnTo>
+                  <a:lnTo>
+                    <a:pt x="364" y="454"/>
+                  </a:lnTo>
+                  <a:lnTo>
+                    <a:pt x="374" y="464"/>
+                  </a:lnTo>
+                  <a:lnTo>
+                    <a:pt x="374" y="464"/>
+                  </a:lnTo>
+                  <a:lnTo>
+                    <a:pt x="384" y="474"/>
+                  </a:lnTo>
+                  <a:lnTo>
+                    <a:pt x="396" y="480"/>
+                  </a:lnTo>
+                  <a:lnTo>
+                    <a:pt x="410" y="484"/>
+                  </a:lnTo>
+                  <a:lnTo>
+                    <a:pt x="422" y="484"/>
+                  </a:lnTo>
+                  <a:lnTo>
+                    <a:pt x="436" y="482"/>
+                  </a:lnTo>
+                  <a:lnTo>
+                    <a:pt x="448" y="480"/>
+                  </a:lnTo>
+                  <a:lnTo>
+                    <a:pt x="460" y="472"/>
+                  </a:lnTo>
+                  <a:lnTo>
+                    <a:pt x="470" y="464"/>
+                  </a:lnTo>
+                  <a:lnTo>
+                    <a:pt x="470" y="464"/>
+                  </a:lnTo>
+                  <a:lnTo>
+                    <a:pt x="478" y="454"/>
+                  </a:lnTo>
+                  <a:lnTo>
+                    <a:pt x="484" y="442"/>
+                  </a:lnTo>
+                  <a:lnTo>
+                    <a:pt x="488" y="430"/>
+                  </a:lnTo>
+                  <a:lnTo>
+                    <a:pt x="490" y="416"/>
+                  </a:lnTo>
+                  <a:lnTo>
+                    <a:pt x="488" y="404"/>
+                  </a:lnTo>
+                  <a:lnTo>
+                    <a:pt x="484" y="390"/>
+                  </a:lnTo>
+                  <a:lnTo>
+                    <a:pt x="478" y="380"/>
+                  </a:lnTo>
+                  <a:lnTo>
+                    <a:pt x="470" y="368"/>
+                  </a:lnTo>
+                  <a:lnTo>
+                    <a:pt x="470" y="368"/>
+                  </a:lnTo>
+                  <a:lnTo>
+                    <a:pt x="458" y="360"/>
+                  </a:lnTo>
+                  <a:lnTo>
+                    <a:pt x="444" y="354"/>
+                  </a:lnTo>
+                  <a:lnTo>
+                    <a:pt x="430" y="350"/>
+                  </a:lnTo>
+                  <a:lnTo>
+                    <a:pt x="416" y="350"/>
+                  </a:lnTo>
+                  <a:lnTo>
+                    <a:pt x="416" y="350"/>
+                  </a:lnTo>
+                  <a:close/>
+                  <a:moveTo>
+                    <a:pt x="446" y="442"/>
+                  </a:moveTo>
+                  <a:lnTo>
+                    <a:pt x="412" y="452"/>
+                  </a:lnTo>
+                  <a:lnTo>
+                    <a:pt x="388" y="426"/>
+                  </a:lnTo>
+                  <a:lnTo>
+                    <a:pt x="396" y="392"/>
+                  </a:lnTo>
+                  <a:lnTo>
+                    <a:pt x="430" y="382"/>
+                  </a:lnTo>
+                  <a:lnTo>
+                    <a:pt x="456" y="408"/>
+                  </a:lnTo>
+                  <a:lnTo>
+                    <a:pt x="446" y="442"/>
+                  </a:lnTo>
+                  <a:close/>
+                </a:path>
+              </a:pathLst>
+            </a:custGeom>
+            <a:solidFill>
+              <a:srgbClr val="000000"/>
+            </a:solidFill>
+            <a:ln>
+              <a:noFill/>
+            </a:ln>
+          </p:spPr>
+          <p:txBody>
+            <a:bodyPr spcFirstLastPara="1" wrap="square" lIns="91425" tIns="45700" rIns="91425" bIns="45700" anchor="t" anchorCtr="0">
+              <a:noAutofit/>
+            </a:bodyPr>
+            <a:lstStyle/>
+            <a:p>
+              <a:pPr marL="0" marR="0" lvl="0" indent="0" algn="l" rtl="0">
+                <a:spcBef>
+                  <a:spcPts val="0"/>
+                </a:spcBef>
+                <a:spcAft>
+                  <a:spcPts val="0"/>
+                </a:spcAft>
+                <a:buNone/>
+              </a:pPr>
+              <a:endParaRPr sz="1800">
+                <a:solidFill>
+                  <a:schemeClr val="dk1"/>
+                </a:solidFill>
+                <a:latin typeface="Calibri"/>
+                <a:ea typeface="Calibri"/>
+                <a:cs typeface="Calibri"/>
+                <a:sym typeface="Calibri"/>
+              </a:endParaRPr>
+            </a:p>
+          </p:txBody>
+        </p:sp>
+        <p:sp>
+          <p:nvSpPr>
+            <p:cNvPr id="508" name="Google Shape;508;p29"/>
+            <p:cNvSpPr/>
+            <p:nvPr/>
+          </p:nvSpPr>
+          <p:spPr>
+            <a:xfrm>
+              <a:off x="5340350" y="3733800"/>
+              <a:ext cx="377825" cy="377825"/>
+            </a:xfrm>
+            <a:custGeom>
+              <a:avLst/>
+              <a:gdLst/>
+              <a:ahLst/>
+              <a:cxnLst/>
+              <a:rect l="0" t="0" r="0" b="0"/>
+              <a:pathLst>
+                <a:path w="238" h="238" extrusionOk="0">
+                  <a:moveTo>
+                    <a:pt x="78" y="56"/>
+                  </a:moveTo>
+                  <a:lnTo>
+                    <a:pt x="54" y="80"/>
+                  </a:lnTo>
+                  <a:lnTo>
+                    <a:pt x="16" y="118"/>
+                  </a:lnTo>
+                  <a:lnTo>
+                    <a:pt x="16" y="118"/>
+                  </a:lnTo>
+                  <a:lnTo>
+                    <a:pt x="8" y="126"/>
+                  </a:lnTo>
+                  <a:lnTo>
+                    <a:pt x="4" y="134"/>
+                  </a:lnTo>
+                  <a:lnTo>
+                    <a:pt x="2" y="142"/>
+                  </a:lnTo>
+                  <a:lnTo>
+                    <a:pt x="0" y="152"/>
+                  </a:lnTo>
+                  <a:lnTo>
+                    <a:pt x="2" y="162"/>
+                  </a:lnTo>
+                  <a:lnTo>
+                    <a:pt x="4" y="170"/>
+                  </a:lnTo>
+                  <a:lnTo>
+                    <a:pt x="8" y="180"/>
+                  </a:lnTo>
+                  <a:lnTo>
+                    <a:pt x="14" y="188"/>
+                  </a:lnTo>
+                  <a:lnTo>
+                    <a:pt x="50" y="224"/>
+                  </a:lnTo>
+                  <a:lnTo>
+                    <a:pt x="50" y="224"/>
+                  </a:lnTo>
+                  <a:lnTo>
+                    <a:pt x="58" y="230"/>
+                  </a:lnTo>
+                  <a:lnTo>
+                    <a:pt x="66" y="234"/>
+                  </a:lnTo>
+                  <a:lnTo>
+                    <a:pt x="76" y="236"/>
+                  </a:lnTo>
+                  <a:lnTo>
+                    <a:pt x="86" y="238"/>
+                  </a:lnTo>
+                  <a:lnTo>
+                    <a:pt x="96" y="236"/>
+                  </a:lnTo>
+                  <a:lnTo>
+                    <a:pt x="104" y="234"/>
+                  </a:lnTo>
+                  <a:lnTo>
+                    <a:pt x="112" y="230"/>
+                  </a:lnTo>
+                  <a:lnTo>
+                    <a:pt x="120" y="224"/>
+                  </a:lnTo>
+                  <a:lnTo>
+                    <a:pt x="160" y="186"/>
+                  </a:lnTo>
+                  <a:lnTo>
+                    <a:pt x="182" y="162"/>
+                  </a:lnTo>
+                  <a:lnTo>
+                    <a:pt x="238" y="106"/>
+                  </a:lnTo>
+                  <a:lnTo>
+                    <a:pt x="132" y="0"/>
+                  </a:lnTo>
+                  <a:lnTo>
+                    <a:pt x="78" y="56"/>
+                  </a:lnTo>
+                  <a:close/>
+                  <a:moveTo>
+                    <a:pt x="188" y="88"/>
+                  </a:moveTo>
+                  <a:lnTo>
+                    <a:pt x="188" y="88"/>
+                  </a:lnTo>
+                  <a:lnTo>
+                    <a:pt x="192" y="94"/>
+                  </a:lnTo>
+                  <a:lnTo>
+                    <a:pt x="192" y="98"/>
+                  </a:lnTo>
+                  <a:lnTo>
+                    <a:pt x="192" y="104"/>
+                  </a:lnTo>
+                  <a:lnTo>
+                    <a:pt x="188" y="108"/>
+                  </a:lnTo>
+                  <a:lnTo>
+                    <a:pt x="88" y="208"/>
+                  </a:lnTo>
+                  <a:lnTo>
+                    <a:pt x="88" y="208"/>
+                  </a:lnTo>
+                  <a:lnTo>
+                    <a:pt x="84" y="212"/>
+                  </a:lnTo>
+                  <a:lnTo>
+                    <a:pt x="78" y="214"/>
+                  </a:lnTo>
+                  <a:lnTo>
+                    <a:pt x="72" y="212"/>
+                  </a:lnTo>
+                  <a:lnTo>
+                    <a:pt x="68" y="210"/>
+                  </a:lnTo>
+                  <a:lnTo>
+                    <a:pt x="68" y="210"/>
+                  </a:lnTo>
+                  <a:lnTo>
+                    <a:pt x="66" y="204"/>
+                  </a:lnTo>
+                  <a:lnTo>
+                    <a:pt x="64" y="200"/>
+                  </a:lnTo>
+                  <a:lnTo>
+                    <a:pt x="66" y="194"/>
+                  </a:lnTo>
+                  <a:lnTo>
+                    <a:pt x="68" y="190"/>
+                  </a:lnTo>
+                  <a:lnTo>
+                    <a:pt x="168" y="90"/>
+                  </a:lnTo>
+                  <a:lnTo>
+                    <a:pt x="168" y="90"/>
+                  </a:lnTo>
+                  <a:lnTo>
+                    <a:pt x="174" y="86"/>
+                  </a:lnTo>
+                  <a:lnTo>
+                    <a:pt x="178" y="84"/>
+                  </a:lnTo>
+                  <a:lnTo>
+                    <a:pt x="184" y="86"/>
+                  </a:lnTo>
+                  <a:lnTo>
+                    <a:pt x="188" y="88"/>
+                  </a:lnTo>
+                  <a:lnTo>
+                    <a:pt x="188" y="88"/>
+                  </a:lnTo>
+                  <a:close/>
+                  <a:moveTo>
+                    <a:pt x="150" y="50"/>
+                  </a:moveTo>
+                  <a:lnTo>
+                    <a:pt x="150" y="50"/>
+                  </a:lnTo>
+                  <a:lnTo>
+                    <a:pt x="152" y="54"/>
+                  </a:lnTo>
+                  <a:lnTo>
+                    <a:pt x="154" y="60"/>
+                  </a:lnTo>
+                  <a:lnTo>
+                    <a:pt x="152" y="66"/>
+                  </a:lnTo>
+                  <a:lnTo>
+                    <a:pt x="150" y="70"/>
+                  </a:lnTo>
+                  <a:lnTo>
+                    <a:pt x="50" y="170"/>
+                  </a:lnTo>
+                  <a:lnTo>
+                    <a:pt x="50" y="170"/>
+                  </a:lnTo>
+                  <a:lnTo>
+                    <a:pt x="44" y="172"/>
+                  </a:lnTo>
+                  <a:lnTo>
+                    <a:pt x="40" y="174"/>
+                  </a:lnTo>
+                  <a:lnTo>
+                    <a:pt x="34" y="172"/>
+                  </a:lnTo>
+                  <a:lnTo>
+                    <a:pt x="30" y="170"/>
+                  </a:lnTo>
+                  <a:lnTo>
+                    <a:pt x="30" y="170"/>
+                  </a:lnTo>
+                  <a:lnTo>
+                    <a:pt x="26" y="166"/>
+                  </a:lnTo>
+                  <a:lnTo>
+                    <a:pt x="26" y="160"/>
+                  </a:lnTo>
+                  <a:lnTo>
+                    <a:pt x="26" y="154"/>
+                  </a:lnTo>
+                  <a:lnTo>
+                    <a:pt x="30" y="150"/>
+                  </a:lnTo>
+                  <a:lnTo>
+                    <a:pt x="130" y="50"/>
+                  </a:lnTo>
+                  <a:lnTo>
+                    <a:pt x="130" y="50"/>
+                  </a:lnTo>
+                  <a:lnTo>
+                    <a:pt x="134" y="46"/>
+                  </a:lnTo>
+                  <a:lnTo>
+                    <a:pt x="140" y="46"/>
+                  </a:lnTo>
+                  <a:lnTo>
+                    <a:pt x="146" y="46"/>
+                  </a:lnTo>
+                  <a:lnTo>
+                    <a:pt x="150" y="50"/>
+                  </a:lnTo>
+                  <a:lnTo>
+                    <a:pt x="150" y="50"/>
+                  </a:lnTo>
+                  <a:close/>
+                </a:path>
+              </a:pathLst>
+            </a:custGeom>
+            <a:solidFill>
+              <a:srgbClr val="000000"/>
+            </a:solidFill>
+            <a:ln>
+              <a:noFill/>
+            </a:ln>
+          </p:spPr>
+          <p:txBody>
+            <a:bodyPr spcFirstLastPara="1" wrap="square" lIns="91425" tIns="45700" rIns="91425" bIns="45700" anchor="t" anchorCtr="0">
+              <a:noAutofit/>
+            </a:bodyPr>
+            <a:lstStyle/>
+            <a:p>
+              <a:pPr marL="0" marR="0" lvl="0" indent="0" algn="l" rtl="0">
+                <a:spcBef>
+                  <a:spcPts val="0"/>
+                </a:spcBef>
+                <a:spcAft>
+                  <a:spcPts val="0"/>
+                </a:spcAft>
+                <a:buNone/>
+              </a:pPr>
+              <a:endParaRPr sz="1800">
+                <a:solidFill>
+                  <a:schemeClr val="dk1"/>
+                </a:solidFill>
+                <a:latin typeface="Calibri"/>
+                <a:ea typeface="Calibri"/>
+                <a:cs typeface="Calibri"/>
+                <a:sym typeface="Calibri"/>
+              </a:endParaRPr>
+            </a:p>
+          </p:txBody>
+        </p:sp>
+        <p:sp>
+          <p:nvSpPr>
+            <p:cNvPr id="509" name="Google Shape;509;p29"/>
+            <p:cNvSpPr/>
+            <p:nvPr/>
+          </p:nvSpPr>
+          <p:spPr>
+            <a:xfrm>
+              <a:off x="5759450" y="3314700"/>
+              <a:ext cx="377825" cy="377825"/>
+            </a:xfrm>
+            <a:custGeom>
+              <a:avLst/>
+              <a:gdLst/>
+              <a:ahLst/>
+              <a:cxnLst/>
+              <a:rect l="0" t="0" r="0" b="0"/>
+              <a:pathLst>
+                <a:path w="238" h="238" extrusionOk="0">
+                  <a:moveTo>
+                    <a:pt x="38" y="238"/>
+                  </a:moveTo>
+                  <a:lnTo>
+                    <a:pt x="104" y="170"/>
+                  </a:lnTo>
+                  <a:lnTo>
+                    <a:pt x="128" y="196"/>
+                  </a:lnTo>
+                  <a:lnTo>
+                    <a:pt x="238" y="86"/>
+                  </a:lnTo>
+                  <a:lnTo>
+                    <a:pt x="150" y="0"/>
+                  </a:lnTo>
+                  <a:lnTo>
+                    <a:pt x="42" y="110"/>
+                  </a:lnTo>
+                  <a:lnTo>
+                    <a:pt x="68" y="134"/>
+                  </a:lnTo>
+                  <a:lnTo>
+                    <a:pt x="0" y="200"/>
+                  </a:lnTo>
+                  <a:lnTo>
+                    <a:pt x="38" y="238"/>
+                  </a:lnTo>
+                  <a:close/>
+                </a:path>
+              </a:pathLst>
+            </a:custGeom>
+            <a:solidFill>
+              <a:srgbClr val="000000"/>
+            </a:solidFill>
+            <a:ln>
+              <a:noFill/>
+            </a:ln>
+          </p:spPr>
+          <p:txBody>
+            <a:bodyPr spcFirstLastPara="1" wrap="square" lIns="91425" tIns="45700" rIns="91425" bIns="45700" anchor="t" anchorCtr="0">
+              <a:noAutofit/>
+            </a:bodyPr>
+            <a:lstStyle/>
+            <a:p>
+              <a:pPr marL="0" marR="0" lvl="0" indent="0" algn="l" rtl="0">
+                <a:spcBef>
+                  <a:spcPts val="0"/>
+                </a:spcBef>
+                <a:spcAft>
+                  <a:spcPts val="0"/>
+                </a:spcAft>
+                <a:buNone/>
+              </a:pPr>
+              <a:endParaRPr sz="1800">
+                <a:solidFill>
+                  <a:schemeClr val="dk1"/>
+                </a:solidFill>
+                <a:latin typeface="Calibri"/>
+                <a:ea typeface="Calibri"/>
+                <a:cs typeface="Calibri"/>
+                <a:sym typeface="Calibri"/>
+              </a:endParaRPr>
+            </a:p>
+          </p:txBody>
+        </p:sp>
+      </p:grpSp>
+      <p:sp>
+        <p:nvSpPr>
+          <p:cNvPr id="511" name="Google Shape;511;p29"/>
+          <p:cNvSpPr txBox="1"/>
+          <p:nvPr/>
+        </p:nvSpPr>
+        <p:spPr>
+          <a:xfrm>
+            <a:off x="-42483" y="140690"/>
+            <a:ext cx="1158393" cy="584775"/>
+          </a:xfrm>
+          <a:prstGeom prst="rect">
+            <a:avLst/>
+          </a:prstGeom>
+          <a:noFill/>
+          <a:ln>
+            <a:noFill/>
+          </a:ln>
+        </p:spPr>
+        <p:txBody>
+          <a:bodyPr spcFirstLastPara="1" wrap="square" lIns="91425" tIns="45700" rIns="91425" bIns="45700" anchor="t" anchorCtr="0">
+            <a:noAutofit/>
+          </a:bodyPr>
+          <a:lstStyle/>
+          <a:p>
+            <a:pPr marL="0" marR="0" lvl="0" indent="0" algn="ctr" rtl="0">
+              <a:spcBef>
+                <a:spcPts val="0"/>
+              </a:spcBef>
+              <a:spcAft>
+                <a:spcPts val="0"/>
+              </a:spcAft>
+              <a:buNone/>
+            </a:pPr>
+            <a:r>
+              <a:rPr lang="en-US" altLang="zh-Hans-HK" sz="4800" b="1" dirty="0">
+                <a:solidFill>
+                  <a:schemeClr val="lt1"/>
+                </a:solidFill>
+                <a:latin typeface="Calibri"/>
+                <a:ea typeface="Calibri"/>
+                <a:cs typeface="Calibri"/>
+                <a:sym typeface="Calibri"/>
+              </a:rPr>
+              <a:t>5</a:t>
+            </a:r>
+            <a:endParaRPr sz="4800" b="1" dirty="0">
+              <a:solidFill>
+                <a:schemeClr val="lt1"/>
+              </a:solidFill>
+              <a:latin typeface="Calibri"/>
+              <a:ea typeface="Calibri"/>
+              <a:cs typeface="Calibri"/>
+              <a:sym typeface="Calibri"/>
+            </a:endParaRPr>
+          </a:p>
+        </p:txBody>
+      </p:sp>
+      <p:sp>
+        <p:nvSpPr>
+          <p:cNvPr id="2" name="文本框 1">
+            <a:extLst>
+              <a:ext uri="{FF2B5EF4-FFF2-40B4-BE49-F238E27FC236}">
+                <a16:creationId xmlns:a16="http://schemas.microsoft.com/office/drawing/2014/main" id="{0D91520D-8D36-4A4C-A144-E36FD6693341}"/>
+              </a:ext>
+            </a:extLst>
+          </p:cNvPr>
+          <p:cNvSpPr txBox="1"/>
+          <p:nvPr/>
+        </p:nvSpPr>
+        <p:spPr>
+          <a:xfrm>
+            <a:off x="4156470" y="140690"/>
+            <a:ext cx="4311669" cy="830997"/>
+          </a:xfrm>
+          <a:prstGeom prst="rect">
+            <a:avLst/>
+          </a:prstGeom>
+          <a:noFill/>
+        </p:spPr>
+        <p:txBody>
+          <a:bodyPr wrap="square" rtlCol="0">
+            <a:spAutoFit/>
+          </a:bodyPr>
+          <a:lstStyle/>
+          <a:p>
+            <a:r>
+              <a:rPr lang="en-US" altLang="zh-Hans-HK" sz="4800" dirty="0">
+                <a:latin typeface="Calibri" panose="020F0502020204030204" pitchFamily="34" charset="0"/>
+                <a:cs typeface="Calibri" panose="020F0502020204030204" pitchFamily="34" charset="0"/>
+              </a:rPr>
+              <a:t>Evaluate Models</a:t>
+            </a:r>
+            <a:endParaRPr lang="zh-Hans-HK" altLang="en-US" sz="4800" dirty="0">
+              <a:latin typeface="Calibri" panose="020F0502020204030204" pitchFamily="34" charset="0"/>
+              <a:cs typeface="Calibri" panose="020F0502020204030204" pitchFamily="34" charset="0"/>
+            </a:endParaRPr>
+          </a:p>
+        </p:txBody>
+      </p:sp>
+      <p:sp>
+        <p:nvSpPr>
+          <p:cNvPr id="3" name="文本框 2">
+            <a:extLst>
+              <a:ext uri="{FF2B5EF4-FFF2-40B4-BE49-F238E27FC236}">
+                <a16:creationId xmlns:a16="http://schemas.microsoft.com/office/drawing/2014/main" id="{25E3AE4E-2037-419A-B197-FBDDB05D77BB}"/>
+              </a:ext>
+            </a:extLst>
+          </p:cNvPr>
+          <p:cNvSpPr txBox="1"/>
+          <p:nvPr/>
+        </p:nvSpPr>
+        <p:spPr>
+          <a:xfrm>
+            <a:off x="1073427" y="1509812"/>
+            <a:ext cx="5764696" cy="1477328"/>
+          </a:xfrm>
+          <a:prstGeom prst="rect">
+            <a:avLst/>
+          </a:prstGeom>
+          <a:noFill/>
+        </p:spPr>
+        <p:txBody>
+          <a:bodyPr wrap="square" rtlCol="0">
+            <a:spAutoFit/>
+          </a:bodyPr>
+          <a:lstStyle/>
+          <a:p>
+            <a:pPr marL="285750" indent="-285750">
+              <a:buFont typeface="Arial" panose="020B0604020202020204" pitchFamily="34" charset="0"/>
+              <a:buChar char="•"/>
+            </a:pPr>
+            <a:r>
+              <a:rPr lang="en-US" altLang="zh-Hans-HK" sz="3000" dirty="0"/>
+              <a:t>Binary classification evaluator</a:t>
+            </a:r>
+          </a:p>
+          <a:p>
+            <a:endParaRPr lang="en-US" altLang="zh-Hans-HK" sz="3000" dirty="0"/>
+          </a:p>
+          <a:p>
+            <a:pPr marL="285750" indent="-285750">
+              <a:buFont typeface="Arial" panose="020B0604020202020204" pitchFamily="34" charset="0"/>
+              <a:buChar char="•"/>
+            </a:pPr>
+            <a:r>
+              <a:rPr lang="en-US" altLang="zh-Hans-HK" sz="3000" dirty="0"/>
+              <a:t>AUC (Area Under ROC Curve)</a:t>
+            </a:r>
+            <a:endParaRPr lang="zh-Hans-HK" altLang="en-US" sz="3000" dirty="0"/>
+          </a:p>
+        </p:txBody>
+      </p:sp>
+      <p:pic>
+        <p:nvPicPr>
+          <p:cNvPr id="5" name="图片 4">
+            <a:extLst>
+              <a:ext uri="{FF2B5EF4-FFF2-40B4-BE49-F238E27FC236}">
+                <a16:creationId xmlns:a16="http://schemas.microsoft.com/office/drawing/2014/main" id="{559E3CBF-BA37-4082-9B38-55EE5B3D9962}"/>
+              </a:ext>
+            </a:extLst>
+          </p:cNvPr>
+          <p:cNvPicPr>
+            <a:picLocks noChangeAspect="1"/>
+          </p:cNvPicPr>
+          <p:nvPr/>
+        </p:nvPicPr>
+        <p:blipFill>
+          <a:blip r:embed="rId4"/>
+          <a:stretch>
+            <a:fillRect/>
+          </a:stretch>
+        </p:blipFill>
+        <p:spPr>
+          <a:xfrm>
+            <a:off x="1218372" y="3144078"/>
+            <a:ext cx="4686300" cy="3352800"/>
+          </a:xfrm>
+          <a:prstGeom prst="rect">
+            <a:avLst/>
+          </a:prstGeom>
+        </p:spPr>
+      </p:pic>
+      <p:pic>
+        <p:nvPicPr>
+          <p:cNvPr id="7" name="图片 6">
+            <a:extLst>
+              <a:ext uri="{FF2B5EF4-FFF2-40B4-BE49-F238E27FC236}">
+                <a16:creationId xmlns:a16="http://schemas.microsoft.com/office/drawing/2014/main" id="{E9D0942A-7FC6-4FB5-8CC8-6CA8CA11BF21}"/>
+              </a:ext>
+            </a:extLst>
+          </p:cNvPr>
+          <p:cNvPicPr>
+            <a:picLocks noChangeAspect="1"/>
+          </p:cNvPicPr>
+          <p:nvPr/>
+        </p:nvPicPr>
+        <p:blipFill>
+          <a:blip r:embed="rId5"/>
+          <a:stretch>
+            <a:fillRect/>
+          </a:stretch>
+        </p:blipFill>
+        <p:spPr>
+          <a:xfrm>
+            <a:off x="7535103" y="1018808"/>
+            <a:ext cx="3438525" cy="5591175"/>
+          </a:xfrm>
+          <a:prstGeom prst="rect">
+            <a:avLst/>
+          </a:prstGeom>
+        </p:spPr>
+      </p:pic>
+    </p:spTree>
+  </p:cSld>
+  <p:clrMapOvr>
+    <a:masterClrMapping/>
+  </p:clrMapOvr>
+  <mc:AlternateContent xmlns:mc="http://schemas.openxmlformats.org/markup-compatibility/2006" xmlns:p14="http://schemas.microsoft.com/office/powerpoint/2010/main">
+    <mc:Choice Requires="p14">
+      <p:transition spd="slow" p14:dur="1600">
+        <p14:gallery dir="l"/>
+      </p:transition>
+    </mc:Choice>
+    <mc:Fallback xmlns="">
+      <p:transition spd="slow">
+        <p:fade/>
+      </p:transition>
+    </mc:Fallback>
+  </mc:AlternateContent>
+  <p:timing>
+    <p:tnLst>
+      <p:par>
+        <p:cTn id="1" dur="indefinite" restart="never" nodeType="tmRoot">
+          <p:childTnLst>
+            <p:seq concurrent="1" nextAc="seek">
+              <p:cTn id="2" dur="indefinite" nodeType="mainSeq">
+                <p:childTnLst>
+                  <p:par>
+                    <p:cTn id="3" fill="hold">
+                      <p:stCondLst>
+                        <p:cond delay="indefinite"/>
+                      </p:stCondLst>
+                      <p:childTnLst>
+                        <p:par>
+                          <p:cTn id="4" fill="hold">
+                            <p:stCondLst>
+                              <p:cond delay="0"/>
+                            </p:stCondLst>
+                            <p:childTnLst>
+                              <p:par>
+                                <p:cTn id="5" presetID="10" presetClass="entr" presetSubtype="0" fill="hold" grpId="0" nodeType="clickEffect">
+                                  <p:stCondLst>
+                                    <p:cond delay="0"/>
+                                  </p:stCondLst>
+                                  <p:childTnLst>
+                                    <p:set>
+                                      <p:cBhvr>
+                                        <p:cTn id="6" dur="1" fill="hold">
+                                          <p:stCondLst>
+                                            <p:cond delay="0"/>
+                                          </p:stCondLst>
+                                        </p:cTn>
+                                        <p:tgtEl>
+                                          <p:spTgt spid="3"/>
+                                        </p:tgtEl>
+                                        <p:attrNameLst>
+                                          <p:attrName>style.visibility</p:attrName>
+                                        </p:attrNameLst>
+                                      </p:cBhvr>
+                                      <p:to>
+                                        <p:strVal val="visible"/>
+                                      </p:to>
+                                    </p:set>
+                                    <p:animEffect transition="in" filter="fade">
+                                      <p:cBhvr>
+                                        <p:cTn id="7" dur="500"/>
+                                        <p:tgtEl>
+                                          <p:spTgt spid="3"/>
+                                        </p:tgtEl>
+                                      </p:cBhvr>
+                                    </p:animEffect>
+                                  </p:childTnLst>
+                                </p:cTn>
+                              </p:par>
+                              <p:par>
+                                <p:cTn id="8" presetID="10" presetClass="entr" presetSubtype="0" fill="hold" nodeType="withEffect">
+                                  <p:stCondLst>
+                                    <p:cond delay="0"/>
+                                  </p:stCondLst>
+                                  <p:childTnLst>
+                                    <p:set>
+                                      <p:cBhvr>
+                                        <p:cTn id="9" dur="1" fill="hold">
+                                          <p:stCondLst>
+                                            <p:cond delay="0"/>
+                                          </p:stCondLst>
+                                        </p:cTn>
+                                        <p:tgtEl>
+                                          <p:spTgt spid="5"/>
+                                        </p:tgtEl>
+                                        <p:attrNameLst>
+                                          <p:attrName>style.visibility</p:attrName>
+                                        </p:attrNameLst>
+                                      </p:cBhvr>
+                                      <p:to>
+                                        <p:strVal val="visible"/>
+                                      </p:to>
+                                    </p:set>
+                                    <p:animEffect transition="in" filter="fade">
+                                      <p:cBhvr>
+                                        <p:cTn id="10" dur="500"/>
+                                        <p:tgtEl>
+                                          <p:spTgt spid="5"/>
+                                        </p:tgtEl>
+                                      </p:cBhvr>
+                                    </p:animEffect>
+                                  </p:childTnLst>
+                                </p:cTn>
+                              </p:par>
+                            </p:childTnLst>
+                          </p:cTn>
+                        </p:par>
+                      </p:childTnLst>
+                    </p:cTn>
+                  </p:par>
+                  <p:par>
+                    <p:cTn id="11" fill="hold">
+                      <p:stCondLst>
+                        <p:cond delay="indefinite"/>
+                      </p:stCondLst>
+                      <p:childTnLst>
+                        <p:par>
+                          <p:cTn id="12" fill="hold">
+                            <p:stCondLst>
+                              <p:cond delay="0"/>
+                            </p:stCondLst>
+                            <p:childTnLst>
+                              <p:par>
+                                <p:cTn id="13" presetID="10" presetClass="entr" presetSubtype="0" fill="hold" nodeType="clickEffect">
+                                  <p:stCondLst>
+                                    <p:cond delay="0"/>
+                                  </p:stCondLst>
+                                  <p:childTnLst>
+                                    <p:set>
+                                      <p:cBhvr>
+                                        <p:cTn id="14" dur="1" fill="hold">
+                                          <p:stCondLst>
+                                            <p:cond delay="0"/>
+                                          </p:stCondLst>
+                                        </p:cTn>
+                                        <p:tgtEl>
+                                          <p:spTgt spid="7"/>
+                                        </p:tgtEl>
+                                        <p:attrNameLst>
+                                          <p:attrName>style.visibility</p:attrName>
+                                        </p:attrNameLst>
+                                      </p:cBhvr>
+                                      <p:to>
+                                        <p:strVal val="visible"/>
+                                      </p:to>
+                                    </p:set>
+                                    <p:animEffect transition="in" filter="fade">
+                                      <p:cBhvr>
+                                        <p:cTn id="15" dur="500"/>
+                                        <p:tgtEl>
+                                          <p:spTgt spid="7"/>
+                                        </p:tgtEl>
+                                      </p:cBhvr>
+                                    </p:animEffect>
+                                  </p:childTnLst>
+                                </p:cTn>
+                              </p:par>
+                            </p:childTnLst>
+                          </p:cTn>
+                        </p:par>
+                      </p:childTnLst>
+                    </p:cTn>
+                  </p:par>
+                </p:childTnLst>
+              </p:cTn>
+              <p:prevCondLst>
+                <p:cond evt="onPrev" delay="0">
+                  <p:tgtEl>
+                    <p:sldTgt/>
+                  </p:tgtEl>
+                </p:cond>
+              </p:prevCondLst>
+              <p:nextCondLst>
+                <p:cond evt="onNext" delay="0">
+                  <p:tgtEl>
+                    <p:sldTgt/>
+                  </p:tgtEl>
+                </p:cond>
+              </p:nextCondLst>
+            </p:seq>
+          </p:childTnLst>
+        </p:cTn>
+      </p:par>
+    </p:tnLst>
+    <p:bldLst>
+      <p:bldP spid="3" grpId="0"/>
+    </p:bldLst>
+  </p:timing>
+</p:sld>
+</file>
+
+<file path=ppt/slides/slide11.xml><?xml version="1.0" encoding="utf-8"?>
+<p:sld xmlns:a="http://schemas.openxmlformats.org/drawingml/2006/main" xmlns:r="http://schemas.openxmlformats.org/officeDocument/2006/relationships" xmlns:p="http://schemas.openxmlformats.org/presentationml/2006/main">
+  <p:cSld>
+    <p:spTree>
+      <p:nvGrpSpPr>
         <p:cNvPr id="1" name="Shape 355"/>
         <p:cNvGrpSpPr/>
         <p:nvPr/>
@@ -12688,7 +14003,7 @@
 </p:sld>
 </file>
 
-<file path=ppt/slides/slide11.xml><?xml version="1.0" encoding="utf-8"?>
+<file path=ppt/slides/slide12.xml><?xml version="1.0" encoding="utf-8"?>
 <p:sld xmlns:a="http://schemas.openxmlformats.org/drawingml/2006/main" xmlns:r="http://schemas.openxmlformats.org/officeDocument/2006/relationships" xmlns:p="http://schemas.openxmlformats.org/presentationml/2006/main">
   <p:cSld>
     <p:spTree>
@@ -12779,7 +14094,7 @@
 </p:sld>
 </file>
 
-<file path=ppt/slides/slide12.xml><?xml version="1.0" encoding="utf-8"?>
+<file path=ppt/slides/slide13.xml><?xml version="1.0" encoding="utf-8"?>
 <p:sld xmlns:a="http://schemas.openxmlformats.org/drawingml/2006/main" xmlns:r="http://schemas.openxmlformats.org/officeDocument/2006/relationships" xmlns:p="http://schemas.openxmlformats.org/presentationml/2006/main">
   <p:cSld>
     <p:spTree>
@@ -16667,8 +17982,8 @@
         </p:nvSpPr>
         <p:spPr>
           <a:xfrm>
-            <a:off x="1480930" y="1222513"/>
-            <a:ext cx="9471992" cy="830997"/>
+            <a:off x="1360003" y="1042600"/>
+            <a:ext cx="9471992" cy="5632311"/>
           </a:xfrm>
           <a:prstGeom prst="rect">
             <a:avLst/>
@@ -16692,38 +18007,155 @@
               <a:t>In general, we have chosen 3 machine learning models to apply in our project: Naïve Bayes, Logistic Regression, Linear Support Vector Machine. </a:t>
             </a:r>
           </a:p>
+          <a:p>
+            <a:endParaRPr lang="en-US" altLang="zh-Hans-HK" sz="2400" dirty="0">
+              <a:solidFill>
+                <a:schemeClr val="bg1"/>
+              </a:solidFill>
+              <a:latin typeface="Calibri" panose="020F0502020204030204" pitchFamily="34" charset="0"/>
+              <a:cs typeface="Calibri" panose="020F0502020204030204" pitchFamily="34" charset="0"/>
+            </a:endParaRPr>
+          </a:p>
+          <a:p>
+            <a:r>
+              <a:rPr lang="en-US" altLang="zh-Hans-HK" sz="2400" dirty="0">
+                <a:solidFill>
+                  <a:schemeClr val="bg1"/>
+                </a:solidFill>
+                <a:latin typeface="Calibri" panose="020F0502020204030204" pitchFamily="34" charset="0"/>
+                <a:cs typeface="Calibri" panose="020F0502020204030204" pitchFamily="34" charset="0"/>
+              </a:rPr>
+              <a:t>Naïve Bayes</a:t>
+            </a:r>
+          </a:p>
+          <a:p>
+            <a:r>
+              <a:rPr lang="en-US" altLang="zh-Hans-HK" sz="2400" dirty="0">
+                <a:solidFill>
+                  <a:schemeClr val="bg1"/>
+                </a:solidFill>
+                <a:latin typeface="Calibri" panose="020F0502020204030204" pitchFamily="34" charset="0"/>
+                <a:cs typeface="Calibri" panose="020F0502020204030204" pitchFamily="34" charset="0"/>
+              </a:rPr>
+              <a:t>N</a:t>
+            </a:r>
+            <a:r>
+              <a:rPr lang="en-US" altLang="zh-CN" sz="2400" dirty="0">
+                <a:solidFill>
+                  <a:schemeClr val="bg1"/>
+                </a:solidFill>
+                <a:latin typeface="Calibri" panose="020F0502020204030204" pitchFamily="34" charset="0"/>
+                <a:cs typeface="Calibri" panose="020F0502020204030204" pitchFamily="34" charset="0"/>
+              </a:rPr>
+              <a:t>B is one of the simplest model in ML. It converges faster than other models, providing fast speed as well as relatively good performance</a:t>
+            </a:r>
+          </a:p>
+          <a:p>
+            <a:endParaRPr lang="en-US" altLang="zh-Hans-HK" sz="2400" dirty="0">
+              <a:solidFill>
+                <a:schemeClr val="bg1"/>
+              </a:solidFill>
+              <a:latin typeface="Calibri" panose="020F0502020204030204" pitchFamily="34" charset="0"/>
+              <a:cs typeface="Calibri" panose="020F0502020204030204" pitchFamily="34" charset="0"/>
+            </a:endParaRPr>
+          </a:p>
+          <a:p>
+            <a:r>
+              <a:rPr lang="en-US" altLang="zh-Hans-HK" sz="2400" dirty="0">
+                <a:solidFill>
+                  <a:schemeClr val="bg1"/>
+                </a:solidFill>
+                <a:latin typeface="Calibri" panose="020F0502020204030204" pitchFamily="34" charset="0"/>
+                <a:cs typeface="Calibri" panose="020F0502020204030204" pitchFamily="34" charset="0"/>
+              </a:rPr>
+              <a:t>Logistic Regression</a:t>
+            </a:r>
+          </a:p>
+          <a:p>
+            <a:r>
+              <a:rPr lang="en-US" altLang="zh-Hans-HK" sz="2400" dirty="0">
+                <a:solidFill>
+                  <a:schemeClr val="bg1"/>
+                </a:solidFill>
+                <a:latin typeface="Calibri" panose="020F0502020204030204" pitchFamily="34" charset="0"/>
+                <a:cs typeface="Calibri" panose="020F0502020204030204" pitchFamily="34" charset="0"/>
+              </a:rPr>
+              <a:t>LR has a nice probabilistic interpretation. And when you don’t have too many features, it has very high accuracy.</a:t>
+            </a:r>
+          </a:p>
+          <a:p>
+            <a:endParaRPr lang="en-US" altLang="zh-Hans-HK" sz="2400" dirty="0">
+              <a:solidFill>
+                <a:schemeClr val="bg1"/>
+              </a:solidFill>
+              <a:latin typeface="Calibri" panose="020F0502020204030204" pitchFamily="34" charset="0"/>
+              <a:cs typeface="Calibri" panose="020F0502020204030204" pitchFamily="34" charset="0"/>
+            </a:endParaRPr>
+          </a:p>
+          <a:p>
+            <a:r>
+              <a:rPr lang="en-US" altLang="zh-Hans-HK" sz="2400" dirty="0">
+                <a:solidFill>
+                  <a:schemeClr val="bg1"/>
+                </a:solidFill>
+                <a:latin typeface="Calibri" panose="020F0502020204030204" pitchFamily="34" charset="0"/>
+                <a:cs typeface="Calibri" panose="020F0502020204030204" pitchFamily="34" charset="0"/>
+              </a:rPr>
+              <a:t>Linear Support Vector Machine</a:t>
+            </a:r>
+          </a:p>
+          <a:p>
+            <a:r>
+              <a:rPr lang="en-US" altLang="zh-Hans-HK" sz="2400" dirty="0">
+                <a:solidFill>
+                  <a:schemeClr val="bg1"/>
+                </a:solidFill>
+                <a:latin typeface="Calibri" panose="020F0502020204030204" pitchFamily="34" charset="0"/>
+                <a:cs typeface="Calibri" panose="020F0502020204030204" pitchFamily="34" charset="0"/>
+              </a:rPr>
+              <a:t>If we define features as vectors, then our data can be located in a high dimensional space. SVM is a hyperplane that divide the hyperplane to help doing classification.</a:t>
+            </a:r>
+          </a:p>
         </p:txBody>
       </p:sp>
-      <p:pic>
-        <p:nvPicPr>
-          <p:cNvPr id="7" name="图片 6">
+      <p:sp>
+        <p:nvSpPr>
+          <p:cNvPr id="5" name="文本框 4">
             <a:extLst>
               <a:ext uri="{FF2B5EF4-FFF2-40B4-BE49-F238E27FC236}">
-                <a16:creationId xmlns:a16="http://schemas.microsoft.com/office/drawing/2014/main" id="{85684155-BF50-425A-82B7-1CEBEBB1E678}"/>
+                <a16:creationId xmlns:a16="http://schemas.microsoft.com/office/drawing/2014/main" id="{14587145-A2C6-4E8D-8CD7-602479C73E63}"/>
               </a:ext>
             </a:extLst>
           </p:cNvPr>
-          <p:cNvPicPr>
-            <a:picLocks noChangeAspect="1"/>
-          </p:cNvPicPr>
+          <p:cNvSpPr txBox="1"/>
           <p:nvPr/>
-        </p:nvPicPr>
-        <p:blipFill>
-          <a:blip r:embed="rId3"/>
-          <a:stretch>
-            <a:fillRect/>
-          </a:stretch>
-        </p:blipFill>
+        </p:nvSpPr>
         <p:spPr>
           <a:xfrm>
-            <a:off x="149087" y="2302996"/>
-            <a:ext cx="11820525" cy="4181475"/>
+            <a:off x="1480930" y="2053510"/>
+            <a:ext cx="10187609" cy="461665"/>
           </a:xfrm>
           <a:prstGeom prst="rect">
             <a:avLst/>
           </a:prstGeom>
+          <a:noFill/>
         </p:spPr>
-      </p:pic>
+        <p:txBody>
+          <a:bodyPr wrap="square" rtlCol="0">
+            <a:spAutoFit/>
+          </a:bodyPr>
+          <a:lstStyle/>
+          <a:p>
+            <a:endParaRPr lang="en-US" altLang="zh-Hans-HK" sz="2400" dirty="0">
+              <a:solidFill>
+                <a:schemeClr val="bg1"/>
+              </a:solidFill>
+              <a:latin typeface="Calibri" panose="020F0502020204030204" pitchFamily="34" charset="0"/>
+              <a:cs typeface="Calibri" panose="020F0502020204030204" pitchFamily="34" charset="0"/>
+            </a:endParaRPr>
+          </a:p>
+        </p:txBody>
+      </p:sp>
     </p:spTree>
     <p:extLst>
       <p:ext uri="{BB962C8B-B14F-4D97-AF65-F5344CB8AC3E}">
@@ -16833,7 +18265,11 @@
                                           </p:stCondLst>
                                         </p:cTn>
                                         <p:tgtEl>
-                                          <p:spTgt spid="7"/>
+                                          <p:spTgt spid="4">
+                                            <p:txEl>
+                                              <p:pRg st="2" end="2"/>
+                                            </p:txEl>
+                                          </p:spTgt>
                                         </p:tgtEl>
                                         <p:attrNameLst>
                                           <p:attrName>style.visibility</p:attrName>
@@ -16847,7 +18283,262 @@
                                       <p:cBhvr>
                                         <p:cTn id="12" dur="500"/>
                                         <p:tgtEl>
-                                          <p:spTgt spid="7"/>
+                                          <p:spTgt spid="4">
+                                            <p:txEl>
+                                              <p:pRg st="2" end="2"/>
+                                            </p:txEl>
+                                          </p:spTgt>
+                                        </p:tgtEl>
+                                      </p:cBhvr>
+                                    </p:animEffect>
+                                  </p:childTnLst>
+                                </p:cTn>
+                              </p:par>
+                              <p:par>
+                                <p:cTn id="13" presetID="10" presetClass="entr" presetSubtype="0" fill="hold" nodeType="withEffect">
+                                  <p:stCondLst>
+                                    <p:cond delay="0"/>
+                                  </p:stCondLst>
+                                  <p:childTnLst>
+                                    <p:set>
+                                      <p:cBhvr>
+                                        <p:cTn id="14" dur="1" fill="hold">
+                                          <p:stCondLst>
+                                            <p:cond delay="0"/>
+                                          </p:stCondLst>
+                                        </p:cTn>
+                                        <p:tgtEl>
+                                          <p:spTgt spid="4">
+                                            <p:txEl>
+                                              <p:pRg st="3" end="3"/>
+                                            </p:txEl>
+                                          </p:spTgt>
+                                        </p:tgtEl>
+                                        <p:attrNameLst>
+                                          <p:attrName>style.visibility</p:attrName>
+                                        </p:attrNameLst>
+                                      </p:cBhvr>
+                                      <p:to>
+                                        <p:strVal val="visible"/>
+                                      </p:to>
+                                    </p:set>
+                                    <p:animEffect transition="in" filter="fade">
+                                      <p:cBhvr>
+                                        <p:cTn id="15" dur="500"/>
+                                        <p:tgtEl>
+                                          <p:spTgt spid="4">
+                                            <p:txEl>
+                                              <p:pRg st="3" end="3"/>
+                                            </p:txEl>
+                                          </p:spTgt>
+                                        </p:tgtEl>
+                                      </p:cBhvr>
+                                    </p:animEffect>
+                                  </p:childTnLst>
+                                </p:cTn>
+                              </p:par>
+                            </p:childTnLst>
+                          </p:cTn>
+                        </p:par>
+                      </p:childTnLst>
+                    </p:cTn>
+                  </p:par>
+                  <p:par>
+                    <p:cTn id="16" fill="hold">
+                      <p:stCondLst>
+                        <p:cond delay="indefinite"/>
+                      </p:stCondLst>
+                      <p:childTnLst>
+                        <p:par>
+                          <p:cTn id="17" fill="hold">
+                            <p:stCondLst>
+                              <p:cond delay="0"/>
+                            </p:stCondLst>
+                            <p:childTnLst>
+                              <p:par>
+                                <p:cTn id="18" presetID="10" presetClass="entr" presetSubtype="0" fill="hold" nodeType="clickEffect">
+                                  <p:stCondLst>
+                                    <p:cond delay="0"/>
+                                  </p:stCondLst>
+                                  <p:childTnLst>
+                                    <p:set>
+                                      <p:cBhvr>
+                                        <p:cTn id="19" dur="1" fill="hold">
+                                          <p:stCondLst>
+                                            <p:cond delay="0"/>
+                                          </p:stCondLst>
+                                        </p:cTn>
+                                        <p:tgtEl>
+                                          <p:spTgt spid="4">
+                                            <p:txEl>
+                                              <p:pRg st="5" end="5"/>
+                                            </p:txEl>
+                                          </p:spTgt>
+                                        </p:tgtEl>
+                                        <p:attrNameLst>
+                                          <p:attrName>style.visibility</p:attrName>
+                                        </p:attrNameLst>
+                                      </p:cBhvr>
+                                      <p:to>
+                                        <p:strVal val="visible"/>
+                                      </p:to>
+                                    </p:set>
+                                    <p:animEffect transition="in" filter="fade">
+                                      <p:cBhvr>
+                                        <p:cTn id="20" dur="500"/>
+                                        <p:tgtEl>
+                                          <p:spTgt spid="4">
+                                            <p:txEl>
+                                              <p:pRg st="5" end="5"/>
+                                            </p:txEl>
+                                          </p:spTgt>
+                                        </p:tgtEl>
+                                      </p:cBhvr>
+                                    </p:animEffect>
+                                  </p:childTnLst>
+                                </p:cTn>
+                              </p:par>
+                              <p:par>
+                                <p:cTn id="21" presetID="10" presetClass="entr" presetSubtype="0" fill="hold" nodeType="withEffect">
+                                  <p:stCondLst>
+                                    <p:cond delay="0"/>
+                                  </p:stCondLst>
+                                  <p:childTnLst>
+                                    <p:set>
+                                      <p:cBhvr>
+                                        <p:cTn id="22" dur="1" fill="hold">
+                                          <p:stCondLst>
+                                            <p:cond delay="0"/>
+                                          </p:stCondLst>
+                                        </p:cTn>
+                                        <p:tgtEl>
+                                          <p:spTgt spid="4">
+                                            <p:txEl>
+                                              <p:pRg st="6" end="6"/>
+                                            </p:txEl>
+                                          </p:spTgt>
+                                        </p:tgtEl>
+                                        <p:attrNameLst>
+                                          <p:attrName>style.visibility</p:attrName>
+                                        </p:attrNameLst>
+                                      </p:cBhvr>
+                                      <p:to>
+                                        <p:strVal val="visible"/>
+                                      </p:to>
+                                    </p:set>
+                                    <p:animEffect transition="in" filter="fade">
+                                      <p:cBhvr>
+                                        <p:cTn id="23" dur="500"/>
+                                        <p:tgtEl>
+                                          <p:spTgt spid="4">
+                                            <p:txEl>
+                                              <p:pRg st="6" end="6"/>
+                                            </p:txEl>
+                                          </p:spTgt>
+                                        </p:tgtEl>
+                                      </p:cBhvr>
+                                    </p:animEffect>
+                                  </p:childTnLst>
+                                </p:cTn>
+                              </p:par>
+                            </p:childTnLst>
+                          </p:cTn>
+                        </p:par>
+                      </p:childTnLst>
+                    </p:cTn>
+                  </p:par>
+                  <p:par>
+                    <p:cTn id="24" fill="hold">
+                      <p:stCondLst>
+                        <p:cond delay="indefinite"/>
+                      </p:stCondLst>
+                      <p:childTnLst>
+                        <p:par>
+                          <p:cTn id="25" fill="hold">
+                            <p:stCondLst>
+                              <p:cond delay="0"/>
+                            </p:stCondLst>
+                            <p:childTnLst>
+                              <p:par>
+                                <p:cTn id="26" presetID="10" presetClass="entr" presetSubtype="0" fill="hold" nodeType="clickEffect">
+                                  <p:stCondLst>
+                                    <p:cond delay="0"/>
+                                  </p:stCondLst>
+                                  <p:childTnLst>
+                                    <p:set>
+                                      <p:cBhvr>
+                                        <p:cTn id="27" dur="1" fill="hold">
+                                          <p:stCondLst>
+                                            <p:cond delay="0"/>
+                                          </p:stCondLst>
+                                        </p:cTn>
+                                        <p:tgtEl>
+                                          <p:spTgt spid="4">
+                                            <p:txEl>
+                                              <p:pRg st="8" end="8"/>
+                                            </p:txEl>
+                                          </p:spTgt>
+                                        </p:tgtEl>
+                                        <p:attrNameLst>
+                                          <p:attrName>style.visibility</p:attrName>
+                                        </p:attrNameLst>
+                                      </p:cBhvr>
+                                      <p:to>
+                                        <p:strVal val="visible"/>
+                                      </p:to>
+                                    </p:set>
+                                    <p:animEffect transition="in" filter="fade">
+                                      <p:cBhvr>
+                                        <p:cTn id="28" dur="500"/>
+                                        <p:tgtEl>
+                                          <p:spTgt spid="4">
+                                            <p:txEl>
+                                              <p:pRg st="8" end="8"/>
+                                            </p:txEl>
+                                          </p:spTgt>
+                                        </p:tgtEl>
+                                      </p:cBhvr>
+                                    </p:animEffect>
+                                  </p:childTnLst>
+                                </p:cTn>
+                              </p:par>
+                              <p:par>
+                                <p:cTn id="29" presetID="10" presetClass="entr" presetSubtype="0" fill="hold" nodeType="withEffect">
+                                  <p:stCondLst>
+                                    <p:cond delay="0"/>
+                                  </p:stCondLst>
+                                  <p:childTnLst>
+                                    <p:set>
+                                      <p:cBhvr>
+                                        <p:cTn id="30" dur="1" fill="hold">
+                                          <p:stCondLst>
+                                            <p:cond delay="0"/>
+                                          </p:stCondLst>
+                                        </p:cTn>
+                                        <p:tgtEl>
+                                          <p:spTgt spid="4">
+                                            <p:txEl>
+                                              <p:pRg st="9" end="9"/>
+                                            </p:txEl>
+                                          </p:spTgt>
+                                        </p:tgtEl>
+                                        <p:attrNameLst>
+                                          <p:attrName>style.visibility</p:attrName>
+                                        </p:attrNameLst>
+                                      </p:cBhvr>
+                                      <p:to>
+                                        <p:strVal val="visible"/>
+                                      </p:to>
+                                    </p:set>
+                                    <p:animEffect transition="in" filter="fade">
+                                      <p:cBhvr>
+                                        <p:cTn id="31" dur="500"/>
+                                        <p:tgtEl>
+                                          <p:spTgt spid="4">
+                                            <p:txEl>
+                                              <p:pRg st="9" end="9"/>
+                                            </p:txEl>
+                                          </p:spTgt>
                                         </p:tgtEl>
                                       </p:cBhvr>
                                     </p:animEffect>
@@ -16893,7 +18584,7 @@
   <p:cSld>
     <p:spTree>
       <p:nvGrpSpPr>
-        <p:cNvPr id="1" name="Shape 492"/>
+        <p:cNvPr id="1" name="Shape 237"/>
         <p:cNvGrpSpPr/>
         <p:nvPr/>
       </p:nvGrpSpPr>
@@ -16905,847 +18596,12 @@
           <a:chExt cx="0" cy="0"/>
         </a:xfrm>
       </p:grpSpPr>
-      <p:pic>
-        <p:nvPicPr>
-          <p:cNvPr id="502" name="Google Shape;502;p29"/>
-          <p:cNvPicPr preferRelativeResize="0"/>
-          <p:nvPr/>
-        </p:nvPicPr>
-        <p:blipFill rotWithShape="1">
-          <a:blip r:embed="rId3">
-            <a:alphaModFix/>
-          </a:blip>
-          <a:srcRect r="58637" b="25209"/>
-          <a:stretch/>
-        </p:blipFill>
-        <p:spPr>
-          <a:xfrm>
-            <a:off x="1" y="-4571"/>
-            <a:ext cx="1073426" cy="1023379"/>
-          </a:xfrm>
-          <a:prstGeom prst="rect">
-            <a:avLst/>
-          </a:prstGeom>
-          <a:noFill/>
-          <a:ln>
-            <a:noFill/>
-          </a:ln>
-        </p:spPr>
-      </p:pic>
-      <p:grpSp>
-        <p:nvGrpSpPr>
-          <p:cNvPr id="506" name="Google Shape;506;p29"/>
-          <p:cNvGrpSpPr/>
-          <p:nvPr/>
-        </p:nvGrpSpPr>
-        <p:grpSpPr>
-          <a:xfrm>
-            <a:off x="2620101" y="150229"/>
-            <a:ext cx="736528" cy="713778"/>
-            <a:chOff x="5314950" y="3314700"/>
-            <a:chExt cx="822325" cy="796925"/>
-          </a:xfrm>
-        </p:grpSpPr>
-        <p:sp>
-          <p:nvSpPr>
-            <p:cNvPr id="507" name="Google Shape;507;p29"/>
-            <p:cNvSpPr/>
-            <p:nvPr/>
-          </p:nvSpPr>
-          <p:spPr>
-            <a:xfrm>
-              <a:off x="5314950" y="3336925"/>
-              <a:ext cx="777875" cy="768350"/>
-            </a:xfrm>
-            <a:custGeom>
-              <a:avLst/>
-              <a:gdLst/>
-              <a:ahLst/>
-              <a:cxnLst/>
-              <a:rect l="0" t="0" r="0" b="0"/>
-              <a:pathLst>
-                <a:path w="490" h="484" extrusionOk="0">
-                  <a:moveTo>
-                    <a:pt x="416" y="350"/>
-                  </a:moveTo>
-                  <a:lnTo>
-                    <a:pt x="320" y="254"/>
-                  </a:lnTo>
-                  <a:lnTo>
-                    <a:pt x="236" y="172"/>
-                  </a:lnTo>
-                  <a:lnTo>
-                    <a:pt x="164" y="102"/>
-                  </a:lnTo>
-                  <a:lnTo>
-                    <a:pt x="164" y="102"/>
-                  </a:lnTo>
-                  <a:lnTo>
-                    <a:pt x="166" y="92"/>
-                  </a:lnTo>
-                  <a:lnTo>
-                    <a:pt x="168" y="82"/>
-                  </a:lnTo>
-                  <a:lnTo>
-                    <a:pt x="166" y="70"/>
-                  </a:lnTo>
-                  <a:lnTo>
-                    <a:pt x="164" y="60"/>
-                  </a:lnTo>
-                  <a:lnTo>
-                    <a:pt x="160" y="50"/>
-                  </a:lnTo>
-                  <a:lnTo>
-                    <a:pt x="156" y="42"/>
-                  </a:lnTo>
-                  <a:lnTo>
-                    <a:pt x="150" y="32"/>
-                  </a:lnTo>
-                  <a:lnTo>
-                    <a:pt x="142" y="24"/>
-                  </a:lnTo>
-                  <a:lnTo>
-                    <a:pt x="142" y="24"/>
-                  </a:lnTo>
-                  <a:lnTo>
-                    <a:pt x="132" y="16"/>
-                  </a:lnTo>
-                  <a:lnTo>
-                    <a:pt x="122" y="10"/>
-                  </a:lnTo>
-                  <a:lnTo>
-                    <a:pt x="112" y="4"/>
-                  </a:lnTo>
-                  <a:lnTo>
-                    <a:pt x="102" y="2"/>
-                  </a:lnTo>
-                  <a:lnTo>
-                    <a:pt x="90" y="0"/>
-                  </a:lnTo>
-                  <a:lnTo>
-                    <a:pt x="78" y="0"/>
-                  </a:lnTo>
-                  <a:lnTo>
-                    <a:pt x="68" y="2"/>
-                  </a:lnTo>
-                  <a:lnTo>
-                    <a:pt x="56" y="4"/>
-                  </a:lnTo>
-                  <a:lnTo>
-                    <a:pt x="96" y="44"/>
-                  </a:lnTo>
-                  <a:lnTo>
-                    <a:pt x="96" y="44"/>
-                  </a:lnTo>
-                  <a:lnTo>
-                    <a:pt x="100" y="50"/>
-                  </a:lnTo>
-                  <a:lnTo>
-                    <a:pt x="104" y="56"/>
-                  </a:lnTo>
-                  <a:lnTo>
-                    <a:pt x="106" y="62"/>
-                  </a:lnTo>
-                  <a:lnTo>
-                    <a:pt x="106" y="70"/>
-                  </a:lnTo>
-                  <a:lnTo>
-                    <a:pt x="106" y="76"/>
-                  </a:lnTo>
-                  <a:lnTo>
-                    <a:pt x="104" y="82"/>
-                  </a:lnTo>
-                  <a:lnTo>
-                    <a:pt x="100" y="90"/>
-                  </a:lnTo>
-                  <a:lnTo>
-                    <a:pt x="96" y="96"/>
-                  </a:lnTo>
-                  <a:lnTo>
-                    <a:pt x="96" y="96"/>
-                  </a:lnTo>
-                  <a:lnTo>
-                    <a:pt x="90" y="100"/>
-                  </a:lnTo>
-                  <a:lnTo>
-                    <a:pt x="84" y="104"/>
-                  </a:lnTo>
-                  <a:lnTo>
-                    <a:pt x="76" y="106"/>
-                  </a:lnTo>
-                  <a:lnTo>
-                    <a:pt x="70" y="106"/>
-                  </a:lnTo>
-                  <a:lnTo>
-                    <a:pt x="62" y="106"/>
-                  </a:lnTo>
-                  <a:lnTo>
-                    <a:pt x="56" y="104"/>
-                  </a:lnTo>
-                  <a:lnTo>
-                    <a:pt x="50" y="102"/>
-                  </a:lnTo>
-                  <a:lnTo>
-                    <a:pt x="44" y="96"/>
-                  </a:lnTo>
-                  <a:lnTo>
-                    <a:pt x="4" y="58"/>
-                  </a:lnTo>
-                  <a:lnTo>
-                    <a:pt x="4" y="58"/>
-                  </a:lnTo>
-                  <a:lnTo>
-                    <a:pt x="2" y="68"/>
-                  </a:lnTo>
-                  <a:lnTo>
-                    <a:pt x="0" y="80"/>
-                  </a:lnTo>
-                  <a:lnTo>
-                    <a:pt x="0" y="92"/>
-                  </a:lnTo>
-                  <a:lnTo>
-                    <a:pt x="2" y="102"/>
-                  </a:lnTo>
-                  <a:lnTo>
-                    <a:pt x="6" y="114"/>
-                  </a:lnTo>
-                  <a:lnTo>
-                    <a:pt x="10" y="124"/>
-                  </a:lnTo>
-                  <a:lnTo>
-                    <a:pt x="16" y="134"/>
-                  </a:lnTo>
-                  <a:lnTo>
-                    <a:pt x="24" y="144"/>
-                  </a:lnTo>
-                  <a:lnTo>
-                    <a:pt x="24" y="144"/>
-                  </a:lnTo>
-                  <a:lnTo>
-                    <a:pt x="32" y="150"/>
-                  </a:lnTo>
-                  <a:lnTo>
-                    <a:pt x="42" y="156"/>
-                  </a:lnTo>
-                  <a:lnTo>
-                    <a:pt x="52" y="162"/>
-                  </a:lnTo>
-                  <a:lnTo>
-                    <a:pt x="62" y="164"/>
-                  </a:lnTo>
-                  <a:lnTo>
-                    <a:pt x="72" y="166"/>
-                  </a:lnTo>
-                  <a:lnTo>
-                    <a:pt x="82" y="168"/>
-                  </a:lnTo>
-                  <a:lnTo>
-                    <a:pt x="92" y="166"/>
-                  </a:lnTo>
-                  <a:lnTo>
-                    <a:pt x="102" y="164"/>
-                  </a:lnTo>
-                  <a:lnTo>
-                    <a:pt x="172" y="234"/>
-                  </a:lnTo>
-                  <a:lnTo>
-                    <a:pt x="194" y="256"/>
-                  </a:lnTo>
-                  <a:lnTo>
-                    <a:pt x="208" y="268"/>
-                  </a:lnTo>
-                  <a:lnTo>
-                    <a:pt x="208" y="268"/>
-                  </a:lnTo>
-                  <a:lnTo>
-                    <a:pt x="208" y="268"/>
-                  </a:lnTo>
-                  <a:lnTo>
-                    <a:pt x="256" y="314"/>
-                  </a:lnTo>
-                  <a:lnTo>
-                    <a:pt x="354" y="412"/>
-                  </a:lnTo>
-                  <a:lnTo>
-                    <a:pt x="354" y="412"/>
-                  </a:lnTo>
-                  <a:lnTo>
-                    <a:pt x="356" y="426"/>
-                  </a:lnTo>
-                  <a:lnTo>
-                    <a:pt x="358" y="440"/>
-                  </a:lnTo>
-                  <a:lnTo>
-                    <a:pt x="364" y="454"/>
-                  </a:lnTo>
-                  <a:lnTo>
-                    <a:pt x="374" y="464"/>
-                  </a:lnTo>
-                  <a:lnTo>
-                    <a:pt x="374" y="464"/>
-                  </a:lnTo>
-                  <a:lnTo>
-                    <a:pt x="384" y="474"/>
-                  </a:lnTo>
-                  <a:lnTo>
-                    <a:pt x="396" y="480"/>
-                  </a:lnTo>
-                  <a:lnTo>
-                    <a:pt x="410" y="484"/>
-                  </a:lnTo>
-                  <a:lnTo>
-                    <a:pt x="422" y="484"/>
-                  </a:lnTo>
-                  <a:lnTo>
-                    <a:pt x="436" y="482"/>
-                  </a:lnTo>
-                  <a:lnTo>
-                    <a:pt x="448" y="480"/>
-                  </a:lnTo>
-                  <a:lnTo>
-                    <a:pt x="460" y="472"/>
-                  </a:lnTo>
-                  <a:lnTo>
-                    <a:pt x="470" y="464"/>
-                  </a:lnTo>
-                  <a:lnTo>
-                    <a:pt x="470" y="464"/>
-                  </a:lnTo>
-                  <a:lnTo>
-                    <a:pt x="478" y="454"/>
-                  </a:lnTo>
-                  <a:lnTo>
-                    <a:pt x="484" y="442"/>
-                  </a:lnTo>
-                  <a:lnTo>
-                    <a:pt x="488" y="430"/>
-                  </a:lnTo>
-                  <a:lnTo>
-                    <a:pt x="490" y="416"/>
-                  </a:lnTo>
-                  <a:lnTo>
-                    <a:pt x="488" y="404"/>
-                  </a:lnTo>
-                  <a:lnTo>
-                    <a:pt x="484" y="390"/>
-                  </a:lnTo>
-                  <a:lnTo>
-                    <a:pt x="478" y="380"/>
-                  </a:lnTo>
-                  <a:lnTo>
-                    <a:pt x="470" y="368"/>
-                  </a:lnTo>
-                  <a:lnTo>
-                    <a:pt x="470" y="368"/>
-                  </a:lnTo>
-                  <a:lnTo>
-                    <a:pt x="458" y="360"/>
-                  </a:lnTo>
-                  <a:lnTo>
-                    <a:pt x="444" y="354"/>
-                  </a:lnTo>
-                  <a:lnTo>
-                    <a:pt x="430" y="350"/>
-                  </a:lnTo>
-                  <a:lnTo>
-                    <a:pt x="416" y="350"/>
-                  </a:lnTo>
-                  <a:lnTo>
-                    <a:pt x="416" y="350"/>
-                  </a:lnTo>
-                  <a:close/>
-                  <a:moveTo>
-                    <a:pt x="446" y="442"/>
-                  </a:moveTo>
-                  <a:lnTo>
-                    <a:pt x="412" y="452"/>
-                  </a:lnTo>
-                  <a:lnTo>
-                    <a:pt x="388" y="426"/>
-                  </a:lnTo>
-                  <a:lnTo>
-                    <a:pt x="396" y="392"/>
-                  </a:lnTo>
-                  <a:lnTo>
-                    <a:pt x="430" y="382"/>
-                  </a:lnTo>
-                  <a:lnTo>
-                    <a:pt x="456" y="408"/>
-                  </a:lnTo>
-                  <a:lnTo>
-                    <a:pt x="446" y="442"/>
-                  </a:lnTo>
-                  <a:close/>
-                </a:path>
-              </a:pathLst>
-            </a:custGeom>
-            <a:solidFill>
-              <a:srgbClr val="000000"/>
-            </a:solidFill>
-            <a:ln>
-              <a:noFill/>
-            </a:ln>
-          </p:spPr>
-          <p:txBody>
-            <a:bodyPr spcFirstLastPara="1" wrap="square" lIns="91425" tIns="45700" rIns="91425" bIns="45700" anchor="t" anchorCtr="0">
-              <a:noAutofit/>
-            </a:bodyPr>
-            <a:lstStyle/>
-            <a:p>
-              <a:pPr marL="0" marR="0" lvl="0" indent="0" algn="l" rtl="0">
-                <a:spcBef>
-                  <a:spcPts val="0"/>
-                </a:spcBef>
-                <a:spcAft>
-                  <a:spcPts val="0"/>
-                </a:spcAft>
-                <a:buNone/>
-              </a:pPr>
-              <a:endParaRPr sz="1800">
-                <a:solidFill>
-                  <a:schemeClr val="dk1"/>
-                </a:solidFill>
-                <a:latin typeface="Calibri"/>
-                <a:ea typeface="Calibri"/>
-                <a:cs typeface="Calibri"/>
-                <a:sym typeface="Calibri"/>
-              </a:endParaRPr>
-            </a:p>
-          </p:txBody>
-        </p:sp>
-        <p:sp>
-          <p:nvSpPr>
-            <p:cNvPr id="508" name="Google Shape;508;p29"/>
-            <p:cNvSpPr/>
-            <p:nvPr/>
-          </p:nvSpPr>
-          <p:spPr>
-            <a:xfrm>
-              <a:off x="5340350" y="3733800"/>
-              <a:ext cx="377825" cy="377825"/>
-            </a:xfrm>
-            <a:custGeom>
-              <a:avLst/>
-              <a:gdLst/>
-              <a:ahLst/>
-              <a:cxnLst/>
-              <a:rect l="0" t="0" r="0" b="0"/>
-              <a:pathLst>
-                <a:path w="238" h="238" extrusionOk="0">
-                  <a:moveTo>
-                    <a:pt x="78" y="56"/>
-                  </a:moveTo>
-                  <a:lnTo>
-                    <a:pt x="54" y="80"/>
-                  </a:lnTo>
-                  <a:lnTo>
-                    <a:pt x="16" y="118"/>
-                  </a:lnTo>
-                  <a:lnTo>
-                    <a:pt x="16" y="118"/>
-                  </a:lnTo>
-                  <a:lnTo>
-                    <a:pt x="8" y="126"/>
-                  </a:lnTo>
-                  <a:lnTo>
-                    <a:pt x="4" y="134"/>
-                  </a:lnTo>
-                  <a:lnTo>
-                    <a:pt x="2" y="142"/>
-                  </a:lnTo>
-                  <a:lnTo>
-                    <a:pt x="0" y="152"/>
-                  </a:lnTo>
-                  <a:lnTo>
-                    <a:pt x="2" y="162"/>
-                  </a:lnTo>
-                  <a:lnTo>
-                    <a:pt x="4" y="170"/>
-                  </a:lnTo>
-                  <a:lnTo>
-                    <a:pt x="8" y="180"/>
-                  </a:lnTo>
-                  <a:lnTo>
-                    <a:pt x="14" y="188"/>
-                  </a:lnTo>
-                  <a:lnTo>
-                    <a:pt x="50" y="224"/>
-                  </a:lnTo>
-                  <a:lnTo>
-                    <a:pt x="50" y="224"/>
-                  </a:lnTo>
-                  <a:lnTo>
-                    <a:pt x="58" y="230"/>
-                  </a:lnTo>
-                  <a:lnTo>
-                    <a:pt x="66" y="234"/>
-                  </a:lnTo>
-                  <a:lnTo>
-                    <a:pt x="76" y="236"/>
-                  </a:lnTo>
-                  <a:lnTo>
-                    <a:pt x="86" y="238"/>
-                  </a:lnTo>
-                  <a:lnTo>
-                    <a:pt x="96" y="236"/>
-                  </a:lnTo>
-                  <a:lnTo>
-                    <a:pt x="104" y="234"/>
-                  </a:lnTo>
-                  <a:lnTo>
-                    <a:pt x="112" y="230"/>
-                  </a:lnTo>
-                  <a:lnTo>
-                    <a:pt x="120" y="224"/>
-                  </a:lnTo>
-                  <a:lnTo>
-                    <a:pt x="160" y="186"/>
-                  </a:lnTo>
-                  <a:lnTo>
-                    <a:pt x="182" y="162"/>
-                  </a:lnTo>
-                  <a:lnTo>
-                    <a:pt x="238" y="106"/>
-                  </a:lnTo>
-                  <a:lnTo>
-                    <a:pt x="132" y="0"/>
-                  </a:lnTo>
-                  <a:lnTo>
-                    <a:pt x="78" y="56"/>
-                  </a:lnTo>
-                  <a:close/>
-                  <a:moveTo>
-                    <a:pt x="188" y="88"/>
-                  </a:moveTo>
-                  <a:lnTo>
-                    <a:pt x="188" y="88"/>
-                  </a:lnTo>
-                  <a:lnTo>
-                    <a:pt x="192" y="94"/>
-                  </a:lnTo>
-                  <a:lnTo>
-                    <a:pt x="192" y="98"/>
-                  </a:lnTo>
-                  <a:lnTo>
-                    <a:pt x="192" y="104"/>
-                  </a:lnTo>
-                  <a:lnTo>
-                    <a:pt x="188" y="108"/>
-                  </a:lnTo>
-                  <a:lnTo>
-                    <a:pt x="88" y="208"/>
-                  </a:lnTo>
-                  <a:lnTo>
-                    <a:pt x="88" y="208"/>
-                  </a:lnTo>
-                  <a:lnTo>
-                    <a:pt x="84" y="212"/>
-                  </a:lnTo>
-                  <a:lnTo>
-                    <a:pt x="78" y="214"/>
-                  </a:lnTo>
-                  <a:lnTo>
-                    <a:pt x="72" y="212"/>
-                  </a:lnTo>
-                  <a:lnTo>
-                    <a:pt x="68" y="210"/>
-                  </a:lnTo>
-                  <a:lnTo>
-                    <a:pt x="68" y="210"/>
-                  </a:lnTo>
-                  <a:lnTo>
-                    <a:pt x="66" y="204"/>
-                  </a:lnTo>
-                  <a:lnTo>
-                    <a:pt x="64" y="200"/>
-                  </a:lnTo>
-                  <a:lnTo>
-                    <a:pt x="66" y="194"/>
-                  </a:lnTo>
-                  <a:lnTo>
-                    <a:pt x="68" y="190"/>
-                  </a:lnTo>
-                  <a:lnTo>
-                    <a:pt x="168" y="90"/>
-                  </a:lnTo>
-                  <a:lnTo>
-                    <a:pt x="168" y="90"/>
-                  </a:lnTo>
-                  <a:lnTo>
-                    <a:pt x="174" y="86"/>
-                  </a:lnTo>
-                  <a:lnTo>
-                    <a:pt x="178" y="84"/>
-                  </a:lnTo>
-                  <a:lnTo>
-                    <a:pt x="184" y="86"/>
-                  </a:lnTo>
-                  <a:lnTo>
-                    <a:pt x="188" y="88"/>
-                  </a:lnTo>
-                  <a:lnTo>
-                    <a:pt x="188" y="88"/>
-                  </a:lnTo>
-                  <a:close/>
-                  <a:moveTo>
-                    <a:pt x="150" y="50"/>
-                  </a:moveTo>
-                  <a:lnTo>
-                    <a:pt x="150" y="50"/>
-                  </a:lnTo>
-                  <a:lnTo>
-                    <a:pt x="152" y="54"/>
-                  </a:lnTo>
-                  <a:lnTo>
-                    <a:pt x="154" y="60"/>
-                  </a:lnTo>
-                  <a:lnTo>
-                    <a:pt x="152" y="66"/>
-                  </a:lnTo>
-                  <a:lnTo>
-                    <a:pt x="150" y="70"/>
-                  </a:lnTo>
-                  <a:lnTo>
-                    <a:pt x="50" y="170"/>
-                  </a:lnTo>
-                  <a:lnTo>
-                    <a:pt x="50" y="170"/>
-                  </a:lnTo>
-                  <a:lnTo>
-                    <a:pt x="44" y="172"/>
-                  </a:lnTo>
-                  <a:lnTo>
-                    <a:pt x="40" y="174"/>
-                  </a:lnTo>
-                  <a:lnTo>
-                    <a:pt x="34" y="172"/>
-                  </a:lnTo>
-                  <a:lnTo>
-                    <a:pt x="30" y="170"/>
-                  </a:lnTo>
-                  <a:lnTo>
-                    <a:pt x="30" y="170"/>
-                  </a:lnTo>
-                  <a:lnTo>
-                    <a:pt x="26" y="166"/>
-                  </a:lnTo>
-                  <a:lnTo>
-                    <a:pt x="26" y="160"/>
-                  </a:lnTo>
-                  <a:lnTo>
-                    <a:pt x="26" y="154"/>
-                  </a:lnTo>
-                  <a:lnTo>
-                    <a:pt x="30" y="150"/>
-                  </a:lnTo>
-                  <a:lnTo>
-                    <a:pt x="130" y="50"/>
-                  </a:lnTo>
-                  <a:lnTo>
-                    <a:pt x="130" y="50"/>
-                  </a:lnTo>
-                  <a:lnTo>
-                    <a:pt x="134" y="46"/>
-                  </a:lnTo>
-                  <a:lnTo>
-                    <a:pt x="140" y="46"/>
-                  </a:lnTo>
-                  <a:lnTo>
-                    <a:pt x="146" y="46"/>
-                  </a:lnTo>
-                  <a:lnTo>
-                    <a:pt x="150" y="50"/>
-                  </a:lnTo>
-                  <a:lnTo>
-                    <a:pt x="150" y="50"/>
-                  </a:lnTo>
-                  <a:close/>
-                </a:path>
-              </a:pathLst>
-            </a:custGeom>
-            <a:solidFill>
-              <a:srgbClr val="000000"/>
-            </a:solidFill>
-            <a:ln>
-              <a:noFill/>
-            </a:ln>
-          </p:spPr>
-          <p:txBody>
-            <a:bodyPr spcFirstLastPara="1" wrap="square" lIns="91425" tIns="45700" rIns="91425" bIns="45700" anchor="t" anchorCtr="0">
-              <a:noAutofit/>
-            </a:bodyPr>
-            <a:lstStyle/>
-            <a:p>
-              <a:pPr marL="0" marR="0" lvl="0" indent="0" algn="l" rtl="0">
-                <a:spcBef>
-                  <a:spcPts val="0"/>
-                </a:spcBef>
-                <a:spcAft>
-                  <a:spcPts val="0"/>
-                </a:spcAft>
-                <a:buNone/>
-              </a:pPr>
-              <a:endParaRPr sz="1800">
-                <a:solidFill>
-                  <a:schemeClr val="dk1"/>
-                </a:solidFill>
-                <a:latin typeface="Calibri"/>
-                <a:ea typeface="Calibri"/>
-                <a:cs typeface="Calibri"/>
-                <a:sym typeface="Calibri"/>
-              </a:endParaRPr>
-            </a:p>
-          </p:txBody>
-        </p:sp>
-        <p:sp>
-          <p:nvSpPr>
-            <p:cNvPr id="509" name="Google Shape;509;p29"/>
-            <p:cNvSpPr/>
-            <p:nvPr/>
-          </p:nvSpPr>
-          <p:spPr>
-            <a:xfrm>
-              <a:off x="5759450" y="3314700"/>
-              <a:ext cx="377825" cy="377825"/>
-            </a:xfrm>
-            <a:custGeom>
-              <a:avLst/>
-              <a:gdLst/>
-              <a:ahLst/>
-              <a:cxnLst/>
-              <a:rect l="0" t="0" r="0" b="0"/>
-              <a:pathLst>
-                <a:path w="238" h="238" extrusionOk="0">
-                  <a:moveTo>
-                    <a:pt x="38" y="238"/>
-                  </a:moveTo>
-                  <a:lnTo>
-                    <a:pt x="104" y="170"/>
-                  </a:lnTo>
-                  <a:lnTo>
-                    <a:pt x="128" y="196"/>
-                  </a:lnTo>
-                  <a:lnTo>
-                    <a:pt x="238" y="86"/>
-                  </a:lnTo>
-                  <a:lnTo>
-                    <a:pt x="150" y="0"/>
-                  </a:lnTo>
-                  <a:lnTo>
-                    <a:pt x="42" y="110"/>
-                  </a:lnTo>
-                  <a:lnTo>
-                    <a:pt x="68" y="134"/>
-                  </a:lnTo>
-                  <a:lnTo>
-                    <a:pt x="0" y="200"/>
-                  </a:lnTo>
-                  <a:lnTo>
-                    <a:pt x="38" y="238"/>
-                  </a:lnTo>
-                  <a:close/>
-                </a:path>
-              </a:pathLst>
-            </a:custGeom>
-            <a:solidFill>
-              <a:srgbClr val="000000"/>
-            </a:solidFill>
-            <a:ln>
-              <a:noFill/>
-            </a:ln>
-          </p:spPr>
-          <p:txBody>
-            <a:bodyPr spcFirstLastPara="1" wrap="square" lIns="91425" tIns="45700" rIns="91425" bIns="45700" anchor="t" anchorCtr="0">
-              <a:noAutofit/>
-            </a:bodyPr>
-            <a:lstStyle/>
-            <a:p>
-              <a:pPr marL="0" marR="0" lvl="0" indent="0" algn="l" rtl="0">
-                <a:spcBef>
-                  <a:spcPts val="0"/>
-                </a:spcBef>
-                <a:spcAft>
-                  <a:spcPts val="0"/>
-                </a:spcAft>
-                <a:buNone/>
-              </a:pPr>
-              <a:endParaRPr sz="1800">
-                <a:solidFill>
-                  <a:schemeClr val="dk1"/>
-                </a:solidFill>
-                <a:latin typeface="Calibri"/>
-                <a:ea typeface="Calibri"/>
-                <a:cs typeface="Calibri"/>
-                <a:sym typeface="Calibri"/>
-              </a:endParaRPr>
-            </a:p>
-          </p:txBody>
-        </p:sp>
-      </p:grpSp>
-      <p:sp>
-        <p:nvSpPr>
-          <p:cNvPr id="511" name="Google Shape;511;p29"/>
-          <p:cNvSpPr txBox="1"/>
-          <p:nvPr/>
-        </p:nvSpPr>
-        <p:spPr>
-          <a:xfrm>
-            <a:off x="-42483" y="140690"/>
-            <a:ext cx="1158393" cy="584775"/>
-          </a:xfrm>
-          <a:prstGeom prst="rect">
-            <a:avLst/>
-          </a:prstGeom>
-          <a:noFill/>
-          <a:ln>
-            <a:noFill/>
-          </a:ln>
-        </p:spPr>
-        <p:txBody>
-          <a:bodyPr spcFirstLastPara="1" wrap="square" lIns="91425" tIns="45700" rIns="91425" bIns="45700" anchor="t" anchorCtr="0">
-            <a:noAutofit/>
-          </a:bodyPr>
-          <a:lstStyle/>
-          <a:p>
-            <a:pPr marL="0" marR="0" lvl="0" indent="0" algn="ctr" rtl="0">
-              <a:spcBef>
-                <a:spcPts val="0"/>
-              </a:spcBef>
-              <a:spcAft>
-                <a:spcPts val="0"/>
-              </a:spcAft>
-              <a:buNone/>
-            </a:pPr>
-            <a:r>
-              <a:rPr lang="en-US" altLang="zh-Hans-HK" sz="4800" b="1" dirty="0">
-                <a:solidFill>
-                  <a:schemeClr val="lt1"/>
-                </a:solidFill>
-                <a:latin typeface="Calibri"/>
-                <a:ea typeface="Calibri"/>
-                <a:cs typeface="Calibri"/>
-                <a:sym typeface="Calibri"/>
-              </a:rPr>
-              <a:t>5</a:t>
-            </a:r>
-            <a:endParaRPr sz="4800" b="1" dirty="0">
-              <a:solidFill>
-                <a:schemeClr val="lt1"/>
-              </a:solidFill>
-              <a:latin typeface="Calibri"/>
-              <a:ea typeface="Calibri"/>
-              <a:cs typeface="Calibri"/>
-              <a:sym typeface="Calibri"/>
-            </a:endParaRPr>
-          </a:p>
-        </p:txBody>
-      </p:sp>
       <p:sp>
         <p:nvSpPr>
           <p:cNvPr id="2" name="文本框 1">
             <a:extLst>
               <a:ext uri="{FF2B5EF4-FFF2-40B4-BE49-F238E27FC236}">
-                <a16:creationId xmlns:a16="http://schemas.microsoft.com/office/drawing/2014/main" id="{0D91520D-8D36-4A4C-A144-E36FD6693341}"/>
+                <a16:creationId xmlns:a16="http://schemas.microsoft.com/office/drawing/2014/main" id="{7B70A31F-EFF2-44B2-9F32-16A7D69A33F7}"/>
               </a:ext>
             </a:extLst>
           </p:cNvPr>
@@ -17754,8 +18610,8 @@
         </p:nvSpPr>
         <p:spPr>
           <a:xfrm>
-            <a:off x="4156470" y="140690"/>
-            <a:ext cx="4311669" cy="830997"/>
+            <a:off x="149087" y="119270"/>
+            <a:ext cx="1152939" cy="923330"/>
           </a:xfrm>
           <a:prstGeom prst="rect">
             <a:avLst/>
@@ -17769,15 +18625,19 @@
           <a:lstStyle/>
           <a:p>
             <a:r>
-              <a:rPr lang="en-US" altLang="zh-Hans-HK" sz="4800" dirty="0">
-                <a:latin typeface="Calibri" panose="020F0502020204030204" pitchFamily="34" charset="0"/>
-                <a:cs typeface="Calibri" panose="020F0502020204030204" pitchFamily="34" charset="0"/>
+              <a:rPr lang="en-US" altLang="zh-Hans-HK" sz="5400" dirty="0">
+                <a:solidFill>
+                  <a:schemeClr val="bg1"/>
+                </a:solidFill>
+                <a:latin typeface="+mj-lt"/>
               </a:rPr>
-              <a:t>Evaluate Models</a:t>
+              <a:t>5</a:t>
             </a:r>
-            <a:endParaRPr lang="zh-Hans-HK" altLang="en-US" sz="4800" dirty="0">
-              <a:latin typeface="Calibri" panose="020F0502020204030204" pitchFamily="34" charset="0"/>
-              <a:cs typeface="Calibri" panose="020F0502020204030204" pitchFamily="34" charset="0"/>
+            <a:endParaRPr lang="zh-Hans-HK" altLang="en-US" sz="5400" dirty="0">
+              <a:solidFill>
+                <a:schemeClr val="bg1"/>
+              </a:solidFill>
+              <a:latin typeface="+mj-lt"/>
             </a:endParaRPr>
           </a:p>
         </p:txBody>
@@ -17787,7 +18647,7 @@
           <p:cNvPr id="3" name="文本框 2">
             <a:extLst>
               <a:ext uri="{FF2B5EF4-FFF2-40B4-BE49-F238E27FC236}">
-                <a16:creationId xmlns:a16="http://schemas.microsoft.com/office/drawing/2014/main" id="{25E3AE4E-2037-419A-B197-FBDDB05D77BB}"/>
+                <a16:creationId xmlns:a16="http://schemas.microsoft.com/office/drawing/2014/main" id="{EAB856D3-2D74-4489-875D-0A1E5BC5E443}"/>
               </a:ext>
             </a:extLst>
           </p:cNvPr>
@@ -17796,8 +18656,8 @@
         </p:nvSpPr>
         <p:spPr>
           <a:xfrm>
-            <a:off x="1073427" y="1509812"/>
-            <a:ext cx="5764696" cy="1477328"/>
+            <a:off x="2244586" y="142030"/>
+            <a:ext cx="7702827" cy="830997"/>
           </a:xfrm>
           <a:prstGeom prst="rect">
             <a:avLst/>
@@ -17810,37 +18670,32 @@
           </a:bodyPr>
           <a:lstStyle/>
           <a:p>
-            <a:pPr marL="285750" indent="-285750">
-              <a:buFont typeface="Arial" panose="020B0604020202020204" pitchFamily="34" charset="0"/>
-              <a:buChar char="•"/>
-            </a:pPr>
+            <a:pPr algn="ctr"/>
             <a:r>
-              <a:rPr lang="en-US" altLang="zh-Hans-HK" sz="3000" dirty="0"/>
-              <a:t>Binary classification evaluator</a:t>
+              <a:rPr lang="en-US" altLang="zh-Hans-HK" sz="4800" dirty="0">
+                <a:solidFill>
+                  <a:schemeClr val="bg1"/>
+                </a:solidFill>
+              </a:rPr>
+              <a:t>W</a:t>
             </a:r>
-          </a:p>
-          <a:p>
-            <a:endParaRPr lang="en-US" altLang="zh-Hans-HK" sz="3000" dirty="0"/>
-          </a:p>
-          <a:p>
-            <a:pPr marL="285750" indent="-285750">
-              <a:buFont typeface="Arial" panose="020B0604020202020204" pitchFamily="34" charset="0"/>
-              <a:buChar char="•"/>
-            </a:pPr>
             <a:r>
-              <a:rPr lang="en-US" altLang="zh-Hans-HK" sz="3000" dirty="0"/>
-              <a:t>AUC (Area Under ROC Curve)</a:t>
+              <a:rPr lang="en-US" altLang="zh-CN" sz="4800" dirty="0">
+                <a:solidFill>
+                  <a:schemeClr val="bg1"/>
+                </a:solidFill>
+              </a:rPr>
+              <a:t>orking Pipeline</a:t>
             </a:r>
-            <a:endParaRPr lang="zh-Hans-HK" altLang="en-US" sz="3000" dirty="0"/>
           </a:p>
         </p:txBody>
       </p:sp>
       <p:pic>
         <p:nvPicPr>
-          <p:cNvPr id="5" name="图片 4">
+          <p:cNvPr id="7" name="图片 6">
             <a:extLst>
               <a:ext uri="{FF2B5EF4-FFF2-40B4-BE49-F238E27FC236}">
-                <a16:creationId xmlns:a16="http://schemas.microsoft.com/office/drawing/2014/main" id="{559E3CBF-BA37-4082-9B38-55EE5B3D9962}"/>
+                <a16:creationId xmlns:a16="http://schemas.microsoft.com/office/drawing/2014/main" id="{85684155-BF50-425A-82B7-1CEBEBB1E678}"/>
               </a:ext>
             </a:extLst>
           </p:cNvPr>
@@ -17850,45 +18705,15 @@
           <p:nvPr/>
         </p:nvPicPr>
         <p:blipFill>
-          <a:blip r:embed="rId4"/>
+          <a:blip r:embed="rId3"/>
           <a:stretch>
             <a:fillRect/>
           </a:stretch>
         </p:blipFill>
         <p:spPr>
           <a:xfrm>
-            <a:off x="1218372" y="3144078"/>
-            <a:ext cx="4686300" cy="3352800"/>
-          </a:xfrm>
-          <a:prstGeom prst="rect">
-            <a:avLst/>
-          </a:prstGeom>
-        </p:spPr>
-      </p:pic>
-      <p:pic>
-        <p:nvPicPr>
-          <p:cNvPr id="7" name="图片 6">
-            <a:extLst>
-              <a:ext uri="{FF2B5EF4-FFF2-40B4-BE49-F238E27FC236}">
-                <a16:creationId xmlns:a16="http://schemas.microsoft.com/office/drawing/2014/main" id="{E9D0942A-7FC6-4FB5-8CC8-6CA8CA11BF21}"/>
-              </a:ext>
-            </a:extLst>
-          </p:cNvPr>
-          <p:cNvPicPr>
-            <a:picLocks noChangeAspect="1"/>
-          </p:cNvPicPr>
-          <p:nvPr/>
-        </p:nvPicPr>
-        <p:blipFill>
-          <a:blip r:embed="rId5"/>
-          <a:stretch>
-            <a:fillRect/>
-          </a:stretch>
-        </p:blipFill>
-        <p:spPr>
-          <a:xfrm>
-            <a:off x="7535103" y="1018808"/>
-            <a:ext cx="3438525" cy="5591175"/>
+            <a:off x="185736" y="1458170"/>
+            <a:ext cx="11820525" cy="4181475"/>
           </a:xfrm>
           <a:prstGeom prst="rect">
             <a:avLst/>
@@ -17896,14 +18721,19 @@
         </p:spPr>
       </p:pic>
     </p:spTree>
+    <p:extLst>
+      <p:ext uri="{BB962C8B-B14F-4D97-AF65-F5344CB8AC3E}">
+        <p14:creationId xmlns:p14="http://schemas.microsoft.com/office/powerpoint/2010/main" val="3521223327"/>
+      </p:ext>
+    </p:extLst>
   </p:cSld>
   <p:clrMapOvr>
     <a:masterClrMapping/>
   </p:clrMapOvr>
   <mc:AlternateContent xmlns:mc="http://schemas.openxmlformats.org/markup-compatibility/2006" xmlns:p14="http://schemas.microsoft.com/office/powerpoint/2010/main">
     <mc:Choice Requires="p14">
-      <p:transition spd="slow" p14:dur="1600">
-        <p14:gallery dir="l"/>
+      <p:transition spd="slow" p14:dur="4000">
+        <p14:vortex dir="r"/>
       </p:transition>
     </mc:Choice>
     <mc:Fallback xmlns="">
@@ -17933,7 +18763,7 @@
                             </p:stCondLst>
                             <p:childTnLst>
                               <p:par>
-                                <p:cTn id="5" presetID="10" presetClass="entr" presetSubtype="0" fill="hold" grpId="0" nodeType="clickEffect">
+                                <p:cTn id="5" presetID="10" presetClass="entr" presetSubtype="0" fill="hold" nodeType="clickEffect">
                                   <p:stCondLst>
                                     <p:cond delay="0"/>
                                   </p:stCondLst>
@@ -17941,94 +18771,6 @@
                                     <p:set>
                                       <p:cBhvr>
                                         <p:cTn id="6" dur="1" fill="hold">
-                                          <p:stCondLst>
-                                            <p:cond delay="0"/>
-                                          </p:stCondLst>
-                                        </p:cTn>
-                                        <p:tgtEl>
-                                          <p:spTgt spid="3"/>
-                                        </p:tgtEl>
-                                        <p:attrNameLst>
-                                          <p:attrName>style.visibility</p:attrName>
-                                        </p:attrNameLst>
-                                      </p:cBhvr>
-                                      <p:to>
-                                        <p:strVal val="visible"/>
-                                      </p:to>
-                                    </p:set>
-                                    <p:animEffect transition="in" filter="fade">
-                                      <p:cBhvr>
-                                        <p:cTn id="7" dur="500"/>
-                                        <p:tgtEl>
-                                          <p:spTgt spid="3"/>
-                                        </p:tgtEl>
-                                      </p:cBhvr>
-                                    </p:animEffect>
-                                  </p:childTnLst>
-                                </p:cTn>
-                              </p:par>
-                              <p:par>
-                                <p:cTn id="8" presetID="10" presetClass="entr" presetSubtype="0" fill="hold" nodeType="withEffect">
-                                  <p:stCondLst>
-                                    <p:cond delay="0"/>
-                                  </p:stCondLst>
-                                  <p:childTnLst>
-                                    <p:set>
-                                      <p:cBhvr>
-                                        <p:cTn id="9" dur="1" fill="hold">
-                                          <p:stCondLst>
-                                            <p:cond delay="0"/>
-                                          </p:stCondLst>
-                                        </p:cTn>
-                                        <p:tgtEl>
-                                          <p:spTgt spid="5"/>
-                                        </p:tgtEl>
-                                        <p:attrNameLst>
-                                          <p:attrName>style.visibility</p:attrName>
-                                        </p:attrNameLst>
-                                      </p:cBhvr>
-                                      <p:to>
-                                        <p:strVal val="visible"/>
-                                      </p:to>
-                                    </p:set>
-                                    <p:animEffect transition="in" filter="fade">
-                                      <p:cBhvr>
-                                        <p:cTn id="10" dur="500"/>
-                                        <p:tgtEl>
-                                          <p:spTgt spid="5"/>
-                                        </p:tgtEl>
-                                      </p:cBhvr>
-                                    </p:animEffect>
-                                  </p:childTnLst>
-                                </p:cTn>
-                              </p:par>
-                            </p:childTnLst>
-                          </p:cTn>
-                        </p:par>
-                      </p:childTnLst>
-                    </p:cTn>
-                  </p:par>
-                  <p:par>
-                    <p:cTn id="11" fill="hold">
-                      <p:stCondLst>
-                        <p:cond delay="indefinite"/>
-                      </p:stCondLst>
-                      <p:childTnLst>
-                        <p:par>
-                          <p:cTn id="12" fill="hold">
-                            <p:stCondLst>
-                              <p:cond delay="0"/>
-                            </p:stCondLst>
-                            <p:childTnLst>
-                              <p:par>
-                                <p:cTn id="13" presetID="10" presetClass="entr" presetSubtype="0" fill="hold" nodeType="clickEffect">
-                                  <p:stCondLst>
-                                    <p:cond delay="0"/>
-                                  </p:stCondLst>
-                                  <p:childTnLst>
-                                    <p:set>
-                                      <p:cBhvr>
-                                        <p:cTn id="14" dur="1" fill="hold">
                                           <p:stCondLst>
                                             <p:cond delay="0"/>
                                           </p:stCondLst>
@@ -18046,7 +18788,7 @@
                                     </p:set>
                                     <p:animEffect transition="in" filter="fade">
                                       <p:cBhvr>
-                                        <p:cTn id="15" dur="500"/>
+                                        <p:cTn id="7" dur="500"/>
                                         <p:tgtEl>
                                           <p:spTgt spid="7"/>
                                         </p:tgtEl>
@@ -18082,9 +18824,6 @@
         </p:cTn>
       </p:par>
     </p:tnLst>
-    <p:bldLst>
-      <p:bldP spid="3" grpId="0"/>
-    </p:bldLst>
   </p:timing>
 </p:sld>
 </file>
